--- a/AngularJS/1.2. Controllers-and-Markup.pptx
+++ b/AngularJS/1.2. Controllers-and-Markup.pptx
@@ -5,10 +5,10 @@
     <p:sldMasterId id="2147483660" r:id="rId2"/>
   </p:sldMasterIdLst>
   <p:notesMasterIdLst>
-    <p:notesMasterId r:id="rId37"/>
+    <p:notesMasterId r:id="rId35"/>
   </p:notesMasterIdLst>
   <p:handoutMasterIdLst>
-    <p:handoutMasterId r:id="rId38"/>
+    <p:handoutMasterId r:id="rId36"/>
   </p:handoutMasterIdLst>
   <p:sldIdLst>
     <p:sldId id="274" r:id="rId3"/>
@@ -22,29 +22,27 @@
     <p:sldId id="432" r:id="rId11"/>
     <p:sldId id="437" r:id="rId12"/>
     <p:sldId id="431" r:id="rId13"/>
-    <p:sldId id="438" r:id="rId14"/>
-    <p:sldId id="434" r:id="rId15"/>
-    <p:sldId id="439" r:id="rId16"/>
-    <p:sldId id="435" r:id="rId17"/>
-    <p:sldId id="440" r:id="rId18"/>
-    <p:sldId id="436" r:id="rId19"/>
-    <p:sldId id="441" r:id="rId20"/>
-    <p:sldId id="447" r:id="rId21"/>
-    <p:sldId id="442" r:id="rId22"/>
-    <p:sldId id="443" r:id="rId23"/>
-    <p:sldId id="449" r:id="rId24"/>
-    <p:sldId id="450" r:id="rId25"/>
-    <p:sldId id="451" r:id="rId26"/>
-    <p:sldId id="444" r:id="rId27"/>
-    <p:sldId id="445" r:id="rId28"/>
-    <p:sldId id="452" r:id="rId29"/>
-    <p:sldId id="446" r:id="rId30"/>
-    <p:sldId id="453" r:id="rId31"/>
-    <p:sldId id="454" r:id="rId32"/>
-    <p:sldId id="417" r:id="rId33"/>
-    <p:sldId id="424" r:id="rId34"/>
-    <p:sldId id="419" r:id="rId35"/>
-    <p:sldId id="420" r:id="rId36"/>
+    <p:sldId id="434" r:id="rId14"/>
+    <p:sldId id="435" r:id="rId15"/>
+    <p:sldId id="440" r:id="rId16"/>
+    <p:sldId id="436" r:id="rId17"/>
+    <p:sldId id="441" r:id="rId18"/>
+    <p:sldId id="447" r:id="rId19"/>
+    <p:sldId id="442" r:id="rId20"/>
+    <p:sldId id="443" r:id="rId21"/>
+    <p:sldId id="449" r:id="rId22"/>
+    <p:sldId id="450" r:id="rId23"/>
+    <p:sldId id="451" r:id="rId24"/>
+    <p:sldId id="444" r:id="rId25"/>
+    <p:sldId id="445" r:id="rId26"/>
+    <p:sldId id="452" r:id="rId27"/>
+    <p:sldId id="446" r:id="rId28"/>
+    <p:sldId id="453" r:id="rId29"/>
+    <p:sldId id="454" r:id="rId30"/>
+    <p:sldId id="417" r:id="rId31"/>
+    <p:sldId id="424" r:id="rId32"/>
+    <p:sldId id="419" r:id="rId33"/>
+    <p:sldId id="420" r:id="rId34"/>
   </p:sldIdLst>
   <p:sldSz cx="12188825" cy="6858000"/>
   <p:notesSz cx="6858000" cy="9144000"/>
@@ -265,7 +263,7 @@
             <a:fld id="{FE5B4EDC-59C0-49C7-8ADA-5A781B329E02}" type="datetimeFigureOut">
               <a:rPr lang="en-US"/>
               <a:pPr/>
-              <a:t>5/12/2015</a:t>
+              <a:t>09-Jun-15</a:t>
             </a:fld>
             <a:endParaRPr dirty="0"/>
           </a:p>
@@ -464,7 +462,7 @@
             <a:fld id="{F2D8D46A-B586-417D-BFBD-8C8FE0AAF762}" type="datetimeFigureOut">
               <a:rPr lang="en-US" smtClean="0"/>
               <a:pPr/>
-              <a:t>5/12/2015</a:t>
+              <a:t>09-Jun-15</a:t>
             </a:fld>
             <a:endParaRPr lang="en-US"/>
           </a:p>
@@ -1213,7 +1211,7 @@
             <a:fld id="{3EBA5BD7-F043-4D1B-AA17-CD412FC534DE}" type="slidenum">
               <a:rPr lang="en-US" smtClean="0"/>
               <a:pPr/>
-              <a:t>32</a:t>
+              <a:t>30</a:t>
             </a:fld>
             <a:endParaRPr lang="en-US" dirty="0"/>
           </a:p>
@@ -1348,7 +1346,7 @@
             <a:fld id="{3EBA5BD7-F043-4D1B-AA17-CD412FC534DE}" type="slidenum">
               <a:rPr lang="en-US" smtClean="0"/>
               <a:pPr/>
-              <a:t>33</a:t>
+              <a:t>31</a:t>
             </a:fld>
             <a:endParaRPr lang="en-US" dirty="0"/>
           </a:p>
@@ -1483,7 +1481,7 @@
             <a:fld id="{3EBA5BD7-F043-4D1B-AA17-CD412FC534DE}" type="slidenum">
               <a:rPr lang="en-US" smtClean="0"/>
               <a:pPr/>
-              <a:t>34</a:t>
+              <a:t>32</a:t>
             </a:fld>
             <a:endParaRPr lang="en-US" dirty="0"/>
           </a:p>
@@ -2112,7 +2110,7 @@
             <a:fld id="{055373AC-9AA7-423B-BA00-BA1C74164DBD}" type="datetime1">
               <a:rPr lang="en-US" smtClean="0"/>
               <a:pPr/>
-              <a:t>5/12/2015</a:t>
+              <a:t>09-Jun-15</a:t>
             </a:fld>
             <a:endParaRPr lang="en-US" dirty="0"/>
           </a:p>
@@ -3383,7 +3381,7 @@
             <a:fld id="{055373AC-9AA7-423B-BA00-BA1C74164DBD}" type="datetime1">
               <a:rPr lang="en-US" smtClean="0"/>
               <a:pPr/>
-              <a:t>5/12/2015</a:t>
+              <a:t>09-Jun-15</a:t>
             </a:fld>
             <a:endParaRPr lang="en-US" dirty="0"/>
           </a:p>
@@ -6640,132 +6638,6 @@
       </p:grpSpPr>
       <p:sp>
         <p:nvSpPr>
-          <p:cNvPr id="5" name="Title 4"/>
-          <p:cNvSpPr>
-            <a:spLocks noGrp="1"/>
-          </p:cNvSpPr>
-          <p:nvPr>
-            <p:ph type="title"/>
-          </p:nvPr>
-        </p:nvSpPr>
-        <p:spPr>
-          <a:xfrm>
-            <a:off x="1446212" y="4876800"/>
-            <a:ext cx="8938472" cy="820600"/>
-          </a:xfrm>
-        </p:spPr>
-        <p:txBody>
-          <a:bodyPr/>
-          <a:lstStyle/>
-          <a:p>
-            <a:r>
-              <a:rPr lang="en-GB" dirty="0" smtClean="0"/>
-              <a:t>Directives for Mouse Events</a:t>
-            </a:r>
-            <a:endParaRPr lang="en-GB" dirty="0"/>
-          </a:p>
-        </p:txBody>
-      </p:sp>
-      <p:sp>
-        <p:nvSpPr>
-          <p:cNvPr id="6" name="Text Placeholder 5"/>
-          <p:cNvSpPr>
-            <a:spLocks noGrp="1"/>
-          </p:cNvSpPr>
-          <p:nvPr>
-            <p:ph type="body" idx="1"/>
-          </p:nvPr>
-        </p:nvSpPr>
-        <p:spPr/>
-        <p:txBody>
-          <a:bodyPr/>
-          <a:lstStyle/>
-          <a:p>
-            <a:r>
-              <a:rPr lang="en-GB" dirty="0" smtClean="0"/>
-              <a:t>Live Demo</a:t>
-            </a:r>
-            <a:endParaRPr lang="en-GB" dirty="0"/>
-          </a:p>
-        </p:txBody>
-      </p:sp>
-      <p:pic>
-        <p:nvPicPr>
-          <p:cNvPr id="3" name="Picture 2"/>
-          <p:cNvPicPr>
-            <a:picLocks noChangeAspect="1"/>
-          </p:cNvPicPr>
-          <p:nvPr/>
-        </p:nvPicPr>
-        <p:blipFill>
-          <a:blip r:embed="rId2">
-            <a:extLst>
-              <a:ext uri="{28A0092B-C50C-407E-A947-70E740481C1C}">
-                <a14:useLocalDpi xmlns:a14="http://schemas.microsoft.com/office/drawing/2010/main" val="0"/>
-              </a:ext>
-            </a:extLst>
-          </a:blip>
-          <a:stretch>
-            <a:fillRect/>
-          </a:stretch>
-        </p:blipFill>
-        <p:spPr>
-          <a:xfrm>
-            <a:off x="4060084" y="1295400"/>
-            <a:ext cx="3710728" cy="3118832"/>
-          </a:xfrm>
-          <a:prstGeom prst="rect">
-            <a:avLst/>
-          </a:prstGeom>
-        </p:spPr>
-      </p:pic>
-    </p:spTree>
-    <p:extLst>
-      <p:ext uri="{BB962C8B-B14F-4D97-AF65-F5344CB8AC3E}">
-        <p14:creationId xmlns:p14="http://schemas.microsoft.com/office/powerpoint/2010/main" val="390628924"/>
-      </p:ext>
-    </p:extLst>
-  </p:cSld>
-  <p:clrMapOvr>
-    <a:masterClrMapping/>
-  </p:clrMapOvr>
-  <mc:AlternateContent xmlns:mc="http://schemas.openxmlformats.org/markup-compatibility/2006" xmlns:p14="http://schemas.microsoft.com/office/powerpoint/2010/main">
-    <mc:Choice Requires="p14">
-      <p:transition p14:dur="0"/>
-    </mc:Choice>
-    <mc:Fallback xmlns="">
-      <p:transition/>
-    </mc:Fallback>
-  </mc:AlternateContent>
-  <p:timing>
-    <p:tnLst>
-      <p:par>
-        <p:cTn id="1" dur="indefinite" restart="never" nodeType="tmRoot"/>
-      </p:par>
-    </p:tnLst>
-  </p:timing>
-</p:sld>
-</file>
-
-<file path=ppt/slides/slide13.xml><?xml version="1.0" encoding="utf-8"?>
-<p:sld xmlns:a="http://schemas.openxmlformats.org/drawingml/2006/main" xmlns:r="http://schemas.openxmlformats.org/officeDocument/2006/relationships" xmlns:p="http://schemas.openxmlformats.org/presentationml/2006/main">
-  <p:cSld>
-    <p:spTree>
-      <p:nvGrpSpPr>
-        <p:cNvPr id="1" name=""/>
-        <p:cNvGrpSpPr/>
-        <p:nvPr/>
-      </p:nvGrpSpPr>
-      <p:grpSpPr>
-        <a:xfrm>
-          <a:off x="0" y="0"/>
-          <a:ext cx="0" cy="0"/>
-          <a:chOff x="0" y="0"/>
-          <a:chExt cx="0" cy="0"/>
-        </a:xfrm>
-      </p:grpSpPr>
-      <p:sp>
-        <p:nvSpPr>
           <p:cNvPr id="2" name="Slide Number Placeholder 1"/>
           <p:cNvSpPr>
             <a:spLocks noGrp="1"/>
@@ -6782,7 +6654,7 @@
             <a:fld id="{C014DD1E-5D91-48A3-AD6D-45FBA980D106}" type="slidenum">
               <a:rPr lang="en-US" smtClean="0"/>
               <a:pPr/>
-              <a:t>13</a:t>
+              <a:t>12</a:t>
             </a:fld>
             <a:endParaRPr lang="en-US" dirty="0"/>
           </a:p>
@@ -9432,133 +9304,7 @@
 </p:sld>
 </file>
 
-<file path=ppt/slides/slide14.xml><?xml version="1.0" encoding="utf-8"?>
-<p:sld xmlns:a="http://schemas.openxmlformats.org/drawingml/2006/main" xmlns:r="http://schemas.openxmlformats.org/officeDocument/2006/relationships" xmlns:p="http://schemas.openxmlformats.org/presentationml/2006/main">
-  <p:cSld>
-    <p:spTree>
-      <p:nvGrpSpPr>
-        <p:cNvPr id="1" name=""/>
-        <p:cNvGrpSpPr/>
-        <p:nvPr/>
-      </p:nvGrpSpPr>
-      <p:grpSpPr>
-        <a:xfrm>
-          <a:off x="0" y="0"/>
-          <a:ext cx="0" cy="0"/>
-          <a:chOff x="0" y="0"/>
-          <a:chExt cx="0" cy="0"/>
-        </a:xfrm>
-      </p:grpSpPr>
-      <p:sp>
-        <p:nvSpPr>
-          <p:cNvPr id="5" name="Title 4"/>
-          <p:cNvSpPr>
-            <a:spLocks noGrp="1"/>
-          </p:cNvSpPr>
-          <p:nvPr>
-            <p:ph type="title"/>
-          </p:nvPr>
-        </p:nvSpPr>
-        <p:spPr>
-          <a:xfrm>
-            <a:off x="1446212" y="4876800"/>
-            <a:ext cx="8938472" cy="820600"/>
-          </a:xfrm>
-        </p:spPr>
-        <p:txBody>
-          <a:bodyPr/>
-          <a:lstStyle/>
-          <a:p>
-            <a:r>
-              <a:rPr lang="en-GB" dirty="0" smtClean="0"/>
-              <a:t>Bind Directives</a:t>
-            </a:r>
-            <a:endParaRPr lang="en-GB" dirty="0"/>
-          </a:p>
-        </p:txBody>
-      </p:sp>
-      <p:sp>
-        <p:nvSpPr>
-          <p:cNvPr id="6" name="Text Placeholder 5"/>
-          <p:cNvSpPr>
-            <a:spLocks noGrp="1"/>
-          </p:cNvSpPr>
-          <p:nvPr>
-            <p:ph type="body" idx="1"/>
-          </p:nvPr>
-        </p:nvSpPr>
-        <p:spPr/>
-        <p:txBody>
-          <a:bodyPr/>
-          <a:lstStyle/>
-          <a:p>
-            <a:r>
-              <a:rPr lang="en-GB" dirty="0" smtClean="0"/>
-              <a:t>Live Demo</a:t>
-            </a:r>
-            <a:endParaRPr lang="en-GB" dirty="0"/>
-          </a:p>
-        </p:txBody>
-      </p:sp>
-      <p:pic>
-        <p:nvPicPr>
-          <p:cNvPr id="3" name="Picture 2"/>
-          <p:cNvPicPr>
-            <a:picLocks noChangeAspect="1"/>
-          </p:cNvPicPr>
-          <p:nvPr/>
-        </p:nvPicPr>
-        <p:blipFill>
-          <a:blip r:embed="rId2">
-            <a:extLst>
-              <a:ext uri="{28A0092B-C50C-407E-A947-70E740481C1C}">
-                <a14:useLocalDpi xmlns:a14="http://schemas.microsoft.com/office/drawing/2010/main" val="0"/>
-              </a:ext>
-            </a:extLst>
-          </a:blip>
-          <a:stretch>
-            <a:fillRect/>
-          </a:stretch>
-        </p:blipFill>
-        <p:spPr>
-          <a:xfrm>
-            <a:off x="3723284" y="1295400"/>
-            <a:ext cx="4384328" cy="3135206"/>
-          </a:xfrm>
-          <a:prstGeom prst="rect">
-            <a:avLst/>
-          </a:prstGeom>
-        </p:spPr>
-      </p:pic>
-    </p:spTree>
-    <p:extLst>
-      <p:ext uri="{BB962C8B-B14F-4D97-AF65-F5344CB8AC3E}">
-        <p14:creationId xmlns:p14="http://schemas.microsoft.com/office/powerpoint/2010/main" val="2264363658"/>
-      </p:ext>
-    </p:extLst>
-  </p:cSld>
-  <p:clrMapOvr>
-    <a:masterClrMapping/>
-  </p:clrMapOvr>
-  <mc:AlternateContent xmlns:mc="http://schemas.openxmlformats.org/markup-compatibility/2006" xmlns:p14="http://schemas.microsoft.com/office/powerpoint/2010/main">
-    <mc:Choice Requires="p14">
-      <p:transition p14:dur="0"/>
-    </mc:Choice>
-    <mc:Fallback xmlns="">
-      <p:transition/>
-    </mc:Fallback>
-  </mc:AlternateContent>
-  <p:timing>
-    <p:tnLst>
-      <p:par>
-        <p:cTn id="1" dur="indefinite" restart="never" nodeType="tmRoot"/>
-      </p:par>
-    </p:tnLst>
-  </p:timing>
-</p:sld>
-</file>
-
-<file path=ppt/slides/slide15.xml><?xml version="1.0" encoding="utf-8"?>
+<file path=ppt/slides/slide13.xml><?xml version="1.0" encoding="utf-8"?>
 <p:sld xmlns:a="http://schemas.openxmlformats.org/drawingml/2006/main" xmlns:r="http://schemas.openxmlformats.org/officeDocument/2006/relationships" xmlns:p="http://schemas.openxmlformats.org/presentationml/2006/main">
   <p:cSld>
     <p:spTree>
@@ -9593,7 +9339,7 @@
             <a:fld id="{C014DD1E-5D91-48A3-AD6D-45FBA980D106}" type="slidenum">
               <a:rPr lang="en-US" smtClean="0"/>
               <a:pPr/>
-              <a:t>15</a:t>
+              <a:t>13</a:t>
             </a:fld>
             <a:endParaRPr lang="en-US" dirty="0"/>
           </a:p>
@@ -11815,7 +11561,7 @@
 </p:sld>
 </file>
 
-<file path=ppt/slides/slide16.xml><?xml version="1.0" encoding="utf-8"?>
+<file path=ppt/slides/slide14.xml><?xml version="1.0" encoding="utf-8"?>
 <p:sld xmlns:a="http://schemas.openxmlformats.org/drawingml/2006/main" xmlns:r="http://schemas.openxmlformats.org/officeDocument/2006/relationships" xmlns:p="http://schemas.openxmlformats.org/presentationml/2006/main">
   <p:cSld>
     <p:spTree>
@@ -11853,8 +11599,8 @@
           <a:lstStyle/>
           <a:p>
             <a:r>
-              <a:rPr lang="en-GB" dirty="0" smtClean="0"/>
-              <a:t>More Directives</a:t>
+              <a:rPr lang="en-GB" smtClean="0"/>
+              <a:t>Directives</a:t>
             </a:r>
             <a:endParaRPr lang="en-GB" dirty="0"/>
           </a:p>
@@ -11906,7 +11652,7 @@
             <a:fld id="{C014DD1E-5D91-48A3-AD6D-45FBA980D106}" type="slidenum">
               <a:rPr lang="en-US" smtClean="0"/>
               <a:pPr/>
-              <a:t>16</a:t>
+              <a:t>14</a:t>
             </a:fld>
             <a:endParaRPr lang="en-US" dirty="0"/>
           </a:p>
@@ -11981,7 +11727,7 @@
 </p:sld>
 </file>
 
-<file path=ppt/slides/slide17.xml><?xml version="1.0" encoding="utf-8"?>
+<file path=ppt/slides/slide15.xml><?xml version="1.0" encoding="utf-8"?>
 <p:sld xmlns:a="http://schemas.openxmlformats.org/drawingml/2006/main" xmlns:r="http://schemas.openxmlformats.org/officeDocument/2006/relationships" xmlns:p="http://schemas.openxmlformats.org/presentationml/2006/main">
   <p:cSld>
     <p:spTree>
@@ -12016,7 +11762,7 @@
             <a:fld id="{C014DD1E-5D91-48A3-AD6D-45FBA980D106}" type="slidenum">
               <a:rPr lang="en-US" smtClean="0"/>
               <a:pPr/>
-              <a:t>17</a:t>
+              <a:t>15</a:t>
             </a:fld>
             <a:endParaRPr lang="en-US" dirty="0"/>
           </a:p>
@@ -12568,7 +12314,7 @@
 </p:sld>
 </file>
 
-<file path=ppt/slides/slide18.xml><?xml version="1.0" encoding="utf-8"?>
+<file path=ppt/slides/slide16.xml><?xml version="1.0" encoding="utf-8"?>
 <p:sld xmlns:a="http://schemas.openxmlformats.org/drawingml/2006/main" xmlns:r="http://schemas.openxmlformats.org/officeDocument/2006/relationships" xmlns:p="http://schemas.openxmlformats.org/presentationml/2006/main">
   <p:cSld>
     <p:spTree>
@@ -12740,7 +12486,7 @@
 </p:sld>
 </file>
 
-<file path=ppt/slides/slide19.xml><?xml version="1.0" encoding="utf-8"?>
+<file path=ppt/slides/slide17.xml><?xml version="1.0" encoding="utf-8"?>
 <p:sld xmlns:a="http://schemas.openxmlformats.org/drawingml/2006/main" xmlns:r="http://schemas.openxmlformats.org/officeDocument/2006/relationships" xmlns:p="http://schemas.openxmlformats.org/presentationml/2006/main">
   <p:cSld>
     <p:spTree>
@@ -13507,6 +13253,315 @@
     <p:extLst>
       <p:ext uri="{BB962C8B-B14F-4D97-AF65-F5344CB8AC3E}">
         <p14:creationId xmlns:p14="http://schemas.microsoft.com/office/powerpoint/2010/main" val="803594655"/>
+      </p:ext>
+    </p:extLst>
+  </p:cSld>
+  <p:clrMapOvr>
+    <a:masterClrMapping/>
+  </p:clrMapOvr>
+  <mc:AlternateContent xmlns:mc="http://schemas.openxmlformats.org/markup-compatibility/2006" xmlns:p14="http://schemas.microsoft.com/office/powerpoint/2010/main">
+    <mc:Choice Requires="p14">
+      <p:transition p14:dur="0"/>
+    </mc:Choice>
+    <mc:Fallback xmlns="">
+      <p:transition/>
+    </mc:Fallback>
+  </mc:AlternateContent>
+  <p:timing>
+    <p:tnLst>
+      <p:par>
+        <p:cTn id="1" dur="indefinite" restart="never" nodeType="tmRoot"/>
+      </p:par>
+    </p:tnLst>
+  </p:timing>
+</p:sld>
+</file>
+
+<file path=ppt/slides/slide18.xml><?xml version="1.0" encoding="utf-8"?>
+<p:sld xmlns:a="http://schemas.openxmlformats.org/drawingml/2006/main" xmlns:r="http://schemas.openxmlformats.org/officeDocument/2006/relationships" xmlns:p="http://schemas.openxmlformats.org/presentationml/2006/main">
+  <p:cSld>
+    <p:spTree>
+      <p:nvGrpSpPr>
+        <p:cNvPr id="1" name=""/>
+        <p:cNvGrpSpPr/>
+        <p:nvPr/>
+      </p:nvGrpSpPr>
+      <p:grpSpPr>
+        <a:xfrm>
+          <a:off x="0" y="0"/>
+          <a:ext cx="0" cy="0"/>
+          <a:chOff x="0" y="0"/>
+          <a:chExt cx="0" cy="0"/>
+        </a:xfrm>
+      </p:grpSpPr>
+      <p:sp>
+        <p:nvSpPr>
+          <p:cNvPr id="2" name="Title 1"/>
+          <p:cNvSpPr>
+            <a:spLocks noGrp="1"/>
+          </p:cNvSpPr>
+          <p:nvPr>
+            <p:ph type="title"/>
+          </p:nvPr>
+        </p:nvSpPr>
+        <p:spPr>
+          <a:xfrm>
+            <a:off x="1446212" y="4876800"/>
+            <a:ext cx="8938472" cy="820600"/>
+          </a:xfrm>
+        </p:spPr>
+        <p:txBody>
+          <a:bodyPr/>
+          <a:lstStyle/>
+          <a:p>
+            <a:r>
+              <a:rPr lang="en-GB" dirty="0" smtClean="0"/>
+              <a:t>Expressions</a:t>
+            </a:r>
+            <a:endParaRPr lang="en-GB" dirty="0"/>
+          </a:p>
+        </p:txBody>
+      </p:sp>
+      <p:sp>
+        <p:nvSpPr>
+          <p:cNvPr id="3" name="Text Placeholder 2"/>
+          <p:cNvSpPr>
+            <a:spLocks noGrp="1"/>
+          </p:cNvSpPr>
+          <p:nvPr>
+            <p:ph type="body" idx="1"/>
+          </p:nvPr>
+        </p:nvSpPr>
+        <p:spPr/>
+        <p:txBody>
+          <a:bodyPr/>
+          <a:lstStyle/>
+          <a:p>
+            <a:r>
+              <a:rPr lang="en-GB" dirty="0" smtClean="0"/>
+              <a:t>Live Demo</a:t>
+            </a:r>
+            <a:endParaRPr lang="en-GB" dirty="0"/>
+          </a:p>
+        </p:txBody>
+      </p:sp>
+      <p:pic>
+        <p:nvPicPr>
+          <p:cNvPr id="4" name="Picture 2" descr="http://branchandbound.net/pics/angular_flicker.png"/>
+          <p:cNvPicPr>
+            <a:picLocks noChangeAspect="1" noChangeArrowheads="1"/>
+          </p:cNvPicPr>
+          <p:nvPr/>
+        </p:nvPicPr>
+        <p:blipFill>
+          <a:blip r:embed="rId2">
+            <a:extLst>
+              <a:ext uri="{28A0092B-C50C-407E-A947-70E740481C1C}">
+                <a14:useLocalDpi xmlns:a14="http://schemas.microsoft.com/office/drawing/2010/main" val="0"/>
+              </a:ext>
+            </a:extLst>
+          </a:blip>
+          <a:srcRect/>
+          <a:stretch>
+            <a:fillRect/>
+          </a:stretch>
+        </p:blipFill>
+        <p:spPr bwMode="auto">
+          <a:xfrm>
+            <a:off x="2894012" y="1752600"/>
+            <a:ext cx="5934076" cy="2288376"/>
+          </a:xfrm>
+          <a:prstGeom prst="rect">
+            <a:avLst/>
+          </a:prstGeom>
+          <a:noFill/>
+          <a:extLst>
+            <a:ext uri="{909E8E84-426E-40DD-AFC4-6F175D3DCCD1}">
+              <a14:hiddenFill xmlns:a14="http://schemas.microsoft.com/office/drawing/2010/main">
+                <a:solidFill>
+                  <a:srgbClr val="FFFFFF"/>
+                </a:solidFill>
+              </a14:hiddenFill>
+            </a:ext>
+          </a:extLst>
+        </p:spPr>
+      </p:pic>
+      <p:pic>
+        <p:nvPicPr>
+          <p:cNvPr id="5" name="Picture 4"/>
+          <p:cNvPicPr>
+            <a:picLocks noChangeAspect="1"/>
+          </p:cNvPicPr>
+          <p:nvPr/>
+        </p:nvPicPr>
+        <p:blipFill>
+          <a:blip r:embed="rId3">
+            <a:extLst>
+              <a:ext uri="{28A0092B-C50C-407E-A947-70E740481C1C}">
+                <a14:useLocalDpi xmlns:a14="http://schemas.microsoft.com/office/drawing/2010/main" val="0"/>
+              </a:ext>
+            </a:extLst>
+          </a:blip>
+          <a:stretch>
+            <a:fillRect/>
+          </a:stretch>
+        </p:blipFill>
+        <p:spPr>
+          <a:xfrm>
+            <a:off x="3664770" y="3025431"/>
+            <a:ext cx="2276736" cy="1516306"/>
+          </a:xfrm>
+          <a:prstGeom prst="rect">
+            <a:avLst/>
+          </a:prstGeom>
+        </p:spPr>
+      </p:pic>
+    </p:spTree>
+    <p:extLst>
+      <p:ext uri="{BB962C8B-B14F-4D97-AF65-F5344CB8AC3E}">
+        <p14:creationId xmlns:p14="http://schemas.microsoft.com/office/powerpoint/2010/main" val="1795311349"/>
+      </p:ext>
+    </p:extLst>
+  </p:cSld>
+  <p:clrMapOvr>
+    <a:masterClrMapping/>
+  </p:clrMapOvr>
+  <mc:AlternateContent xmlns:mc="http://schemas.openxmlformats.org/markup-compatibility/2006" xmlns:p14="http://schemas.microsoft.com/office/powerpoint/2010/main">
+    <mc:Choice Requires="p14">
+      <p:transition p14:dur="0"/>
+    </mc:Choice>
+    <mc:Fallback xmlns="">
+      <p:transition/>
+    </mc:Fallback>
+  </mc:AlternateContent>
+  <p:timing>
+    <p:tnLst>
+      <p:par>
+        <p:cTn id="1" dur="indefinite" restart="never" nodeType="tmRoot"/>
+      </p:par>
+    </p:tnLst>
+  </p:timing>
+</p:sld>
+</file>
+
+<file path=ppt/slides/slide19.xml><?xml version="1.0" encoding="utf-8"?>
+<p:sld xmlns:a="http://schemas.openxmlformats.org/drawingml/2006/main" xmlns:r="http://schemas.openxmlformats.org/officeDocument/2006/relationships" xmlns:p="http://schemas.openxmlformats.org/presentationml/2006/main">
+  <p:cSld>
+    <p:spTree>
+      <p:nvGrpSpPr>
+        <p:cNvPr id="1" name=""/>
+        <p:cNvGrpSpPr/>
+        <p:nvPr/>
+      </p:nvGrpSpPr>
+      <p:grpSpPr>
+        <a:xfrm>
+          <a:off x="0" y="0"/>
+          <a:ext cx="0" cy="0"/>
+          <a:chOff x="0" y="0"/>
+          <a:chExt cx="0" cy="0"/>
+        </a:xfrm>
+      </p:grpSpPr>
+      <p:sp>
+        <p:nvSpPr>
+          <p:cNvPr id="2" name="Title 1"/>
+          <p:cNvSpPr>
+            <a:spLocks noGrp="1"/>
+          </p:cNvSpPr>
+          <p:nvPr>
+            <p:ph type="title"/>
+          </p:nvPr>
+        </p:nvSpPr>
+        <p:spPr>
+          <a:xfrm>
+            <a:off x="1446212" y="4834376"/>
+            <a:ext cx="8938472" cy="820600"/>
+          </a:xfrm>
+        </p:spPr>
+        <p:txBody>
+          <a:bodyPr/>
+          <a:lstStyle/>
+          <a:p>
+            <a:r>
+              <a:rPr lang="en-GB" dirty="0" smtClean="0"/>
+              <a:t>Filters</a:t>
+            </a:r>
+            <a:endParaRPr lang="en-GB" dirty="0"/>
+          </a:p>
+        </p:txBody>
+      </p:sp>
+      <p:sp>
+        <p:nvSpPr>
+          <p:cNvPr id="3" name="Text Placeholder 2"/>
+          <p:cNvSpPr>
+            <a:spLocks noGrp="1"/>
+          </p:cNvSpPr>
+          <p:nvPr>
+            <p:ph type="body" idx="1"/>
+          </p:nvPr>
+        </p:nvSpPr>
+        <p:spPr>
+          <a:xfrm>
+            <a:off x="1446212" y="5636344"/>
+            <a:ext cx="8938472" cy="688256"/>
+          </a:xfrm>
+        </p:spPr>
+        <p:txBody>
+          <a:bodyPr/>
+          <a:lstStyle/>
+          <a:p>
+            <a:r>
+              <a:rPr lang="en-GB" dirty="0" smtClean="0"/>
+              <a:t>Formatting Data in Expressions</a:t>
+            </a:r>
+            <a:endParaRPr lang="en-GB" dirty="0"/>
+          </a:p>
+        </p:txBody>
+      </p:sp>
+      <p:pic>
+        <p:nvPicPr>
+          <p:cNvPr id="3074" name="Picture 2" descr="http://www.blitzleadmanager.com/blog/wp-content/uploads/2013/09/Filtering-Flour-by-Peter-J.-Roberts.jpg"/>
+          <p:cNvPicPr>
+            <a:picLocks noChangeAspect="1" noChangeArrowheads="1"/>
+          </p:cNvPicPr>
+          <p:nvPr/>
+        </p:nvPicPr>
+        <p:blipFill>
+          <a:blip r:embed="rId2">
+            <a:extLst>
+              <a:ext uri="{28A0092B-C50C-407E-A947-70E740481C1C}">
+                <a14:useLocalDpi xmlns:a14="http://schemas.microsoft.com/office/drawing/2010/main" val="0"/>
+              </a:ext>
+            </a:extLst>
+          </a:blip>
+          <a:srcRect/>
+          <a:stretch>
+            <a:fillRect/>
+          </a:stretch>
+        </p:blipFill>
+        <p:spPr bwMode="auto">
+          <a:xfrm>
+            <a:off x="3983884" y="1481576"/>
+            <a:ext cx="3863128" cy="3113682"/>
+          </a:xfrm>
+          <a:prstGeom prst="rect">
+            <a:avLst/>
+          </a:prstGeom>
+          <a:noFill/>
+          <a:extLst>
+            <a:ext uri="{909E8E84-426E-40DD-AFC4-6F175D3DCCD1}">
+              <a14:hiddenFill xmlns:a14="http://schemas.microsoft.com/office/drawing/2010/main">
+                <a:solidFill>
+                  <a:srgbClr val="FFFFFF"/>
+                </a:solidFill>
+              </a14:hiddenFill>
+            </a:ext>
+          </a:extLst>
+        </p:spPr>
+      </p:pic>
+    </p:spTree>
+    <p:extLst>
+      <p:ext uri="{BB962C8B-B14F-4D97-AF65-F5344CB8AC3E}">
+        <p14:creationId xmlns:p14="http://schemas.microsoft.com/office/powerpoint/2010/main" val="609261584"/>
       </p:ext>
     </p:extLst>
   </p:cSld>
@@ -13852,7 +13907,83 @@
       </p:grpSpPr>
       <p:sp>
         <p:nvSpPr>
-          <p:cNvPr id="2" name="Title 1"/>
+          <p:cNvPr id="5" name="Content Placeholder 4"/>
+          <p:cNvSpPr>
+            <a:spLocks noGrp="1"/>
+          </p:cNvSpPr>
+          <p:nvPr>
+            <p:ph idx="1"/>
+          </p:nvPr>
+        </p:nvSpPr>
+        <p:spPr/>
+        <p:txBody>
+          <a:bodyPr/>
+          <a:lstStyle/>
+          <a:p>
+            <a:r>
+              <a:rPr lang="en-GB" dirty="0" smtClean="0"/>
+              <a:t>Angular </a:t>
+            </a:r>
+            <a:r>
+              <a:rPr lang="en-GB" dirty="0" smtClean="0">
+                <a:solidFill>
+                  <a:schemeClr val="tx2">
+                    <a:lumMod val="75000"/>
+                  </a:schemeClr>
+                </a:solidFill>
+              </a:rPr>
+              <a:t>filters</a:t>
+            </a:r>
+            <a:r>
+              <a:rPr lang="en-GB" dirty="0" smtClean="0"/>
+              <a:t> format the value of an expression</a:t>
+            </a:r>
+          </a:p>
+          <a:p>
+            <a:pPr lvl="1"/>
+            <a:r>
+              <a:rPr lang="en-GB" dirty="0" smtClean="0"/>
+              <a:t>Modify the output</a:t>
+            </a:r>
+          </a:p>
+          <a:p>
+            <a:pPr lvl="1"/>
+            <a:r>
+              <a:rPr lang="en-GB" dirty="0" smtClean="0"/>
+              <a:t>Format the output</a:t>
+            </a:r>
+          </a:p>
+          <a:p>
+            <a:pPr lvl="1"/>
+            <a:r>
+              <a:rPr lang="en-GB" dirty="0" smtClean="0"/>
+              <a:t>Sort data</a:t>
+            </a:r>
+          </a:p>
+          <a:p>
+            <a:pPr lvl="1"/>
+            <a:r>
+              <a:rPr lang="en-GB" dirty="0" smtClean="0"/>
+              <a:t>Filter data</a:t>
+            </a:r>
+          </a:p>
+          <a:p>
+            <a:pPr>
+              <a:spcBef>
+                <a:spcPts val="1200"/>
+              </a:spcBef>
+            </a:pPr>
+            <a:r>
+              <a:rPr lang="en-GB" dirty="0" smtClean="0"/>
+              <a:t>Using filters:</a:t>
+            </a:r>
+            <a:endParaRPr lang="en-GB" dirty="0"/>
+          </a:p>
+        </p:txBody>
+      </p:sp>
+      <p:sp>
+        <p:nvSpPr>
+          <p:cNvPr id="4" name="Title 3"/>
           <p:cNvSpPr>
             <a:spLocks noGrp="1"/>
           </p:cNvSpPr>
@@ -13860,19 +13991,14 @@
             <p:ph type="title"/>
           </p:nvPr>
         </p:nvSpPr>
-        <p:spPr>
-          <a:xfrm>
-            <a:off x="1446212" y="4876800"/>
-            <a:ext cx="8938472" cy="820600"/>
-          </a:xfrm>
-        </p:spPr>
+        <p:spPr/>
         <p:txBody>
           <a:bodyPr/>
           <a:lstStyle/>
           <a:p>
             <a:r>
               <a:rPr lang="en-GB" dirty="0" smtClean="0"/>
-              <a:t>Expressions</a:t>
+              <a:t>Filters</a:t>
             </a:r>
             <a:endParaRPr lang="en-GB" dirty="0"/>
           </a:p>
@@ -13880,102 +14006,192 @@
       </p:sp>
       <p:sp>
         <p:nvSpPr>
-          <p:cNvPr id="3" name="Text Placeholder 2"/>
+          <p:cNvPr id="6" name="Rectangle 5"/>
           <p:cNvSpPr>
-            <a:spLocks noGrp="1"/>
+            <a:spLocks noChangeArrowheads="1"/>
           </p:cNvSpPr>
-          <p:nvPr>
-            <p:ph type="body" idx="1"/>
-          </p:nvPr>
+          <p:nvPr/>
         </p:nvSpPr>
-        <p:spPr/>
-        <p:txBody>
-          <a:bodyPr/>
-          <a:lstStyle/>
-          <a:p>
-            <a:r>
-              <a:rPr lang="en-GB" dirty="0" smtClean="0"/>
-              <a:t>Live Demo</a:t>
-            </a:r>
-            <a:endParaRPr lang="en-GB" dirty="0"/>
-          </a:p>
-        </p:txBody>
-      </p:sp>
-      <p:pic>
-        <p:nvPicPr>
-          <p:cNvPr id="4" name="Picture 2" descr="http://branchandbound.net/pics/angular_flicker.png"/>
-          <p:cNvPicPr>
-            <a:picLocks noChangeAspect="1" noChangeArrowheads="1"/>
-          </p:cNvPicPr>
-          <p:nvPr/>
-        </p:nvPicPr>
-        <p:blipFill>
-          <a:blip r:embed="rId2">
-            <a:extLst>
-              <a:ext uri="{28A0092B-C50C-407E-A947-70E740481C1C}">
-                <a14:useLocalDpi xmlns:a14="http://schemas.microsoft.com/office/drawing/2010/main" val="0"/>
-              </a:ext>
-            </a:extLst>
-          </a:blip>
-          <a:srcRect/>
-          <a:stretch>
-            <a:fillRect/>
-          </a:stretch>
-        </p:blipFill>
         <p:spPr bwMode="auto">
           <a:xfrm>
-            <a:off x="2894012" y="1752600"/>
-            <a:ext cx="5934076" cy="2288376"/>
+            <a:off x="3427414" y="5562600"/>
+            <a:ext cx="5333998" cy="480131"/>
           </a:xfrm>
           <a:prstGeom prst="rect">
             <a:avLst/>
           </a:prstGeom>
-          <a:noFill/>
-          <a:extLst>
-            <a:ext uri="{909E8E84-426E-40DD-AFC4-6F175D3DCCD1}">
-              <a14:hiddenFill xmlns:a14="http://schemas.microsoft.com/office/drawing/2010/main">
-                <a:solidFill>
-                  <a:srgbClr val="FFFFFF"/>
-                </a:solidFill>
-              </a14:hiddenFill>
-            </a:ext>
-          </a:extLst>
+          <a:solidFill>
+            <a:schemeClr val="accent5">
+              <a:lumMod val="40000"/>
+              <a:lumOff val="60000"/>
+              <a:alpha val="15000"/>
+            </a:schemeClr>
+          </a:solidFill>
+          <a:ln w="12700">
+            <a:solidFill>
+              <a:schemeClr val="accent5">
+                <a:lumMod val="60000"/>
+                <a:lumOff val="40000"/>
+              </a:schemeClr>
+            </a:solidFill>
+          </a:ln>
         </p:spPr>
-      </p:pic>
-      <p:pic>
-        <p:nvPicPr>
-          <p:cNvPr id="5" name="Picture 4"/>
-          <p:cNvPicPr>
-            <a:picLocks noChangeAspect="1"/>
-          </p:cNvPicPr>
-          <p:nvPr/>
-        </p:nvPicPr>
-        <p:blipFill>
-          <a:blip r:embed="rId3">
-            <a:extLst>
-              <a:ext uri="{28A0092B-C50C-407E-A947-70E740481C1C}">
-                <a14:useLocalDpi xmlns:a14="http://schemas.microsoft.com/office/drawing/2010/main" val="0"/>
-              </a:ext>
-            </a:extLst>
-          </a:blip>
-          <a:stretch>
-            <a:fillRect/>
-          </a:stretch>
-        </p:blipFill>
-        <p:spPr>
-          <a:xfrm>
-            <a:off x="3664770" y="3025431"/>
-            <a:ext cx="2276736" cy="1516306"/>
-          </a:xfrm>
-          <a:prstGeom prst="rect">
-            <a:avLst/>
-          </a:prstGeom>
-        </p:spPr>
-      </p:pic>
+        <p:txBody>
+          <a:bodyPr wrap="square">
+            <a:spAutoFit/>
+          </a:bodyPr>
+          <a:lstStyle>
+            <a:defPPr>
+              <a:defRPr lang="en-US"/>
+            </a:defPPr>
+            <a:lvl1pPr marL="0" algn="l" defTabSz="914400" rtl="0" eaLnBrk="1" latinLnBrk="0" hangingPunct="1">
+              <a:defRPr sz="1800" kern="1200">
+                <a:solidFill>
+                  <a:schemeClr val="tx1"/>
+                </a:solidFill>
+                <a:latin typeface="+mn-lt"/>
+                <a:ea typeface="+mn-ea"/>
+                <a:cs typeface="+mn-cs"/>
+              </a:defRPr>
+            </a:lvl1pPr>
+            <a:lvl2pPr marL="457200" algn="l" defTabSz="914400" rtl="0" eaLnBrk="1" latinLnBrk="0" hangingPunct="1">
+              <a:defRPr sz="1800" kern="1200">
+                <a:solidFill>
+                  <a:schemeClr val="tx1"/>
+                </a:solidFill>
+                <a:latin typeface="+mn-lt"/>
+                <a:ea typeface="+mn-ea"/>
+                <a:cs typeface="+mn-cs"/>
+              </a:defRPr>
+            </a:lvl2pPr>
+            <a:lvl3pPr marL="914400" algn="l" defTabSz="914400" rtl="0" eaLnBrk="1" latinLnBrk="0" hangingPunct="1">
+              <a:defRPr sz="1800" kern="1200">
+                <a:solidFill>
+                  <a:schemeClr val="tx1"/>
+                </a:solidFill>
+                <a:latin typeface="+mn-lt"/>
+                <a:ea typeface="+mn-ea"/>
+                <a:cs typeface="+mn-cs"/>
+              </a:defRPr>
+            </a:lvl3pPr>
+            <a:lvl4pPr marL="1371600" algn="l" defTabSz="914400" rtl="0" eaLnBrk="1" latinLnBrk="0" hangingPunct="1">
+              <a:defRPr sz="1800" kern="1200">
+                <a:solidFill>
+                  <a:schemeClr val="tx1"/>
+                </a:solidFill>
+                <a:latin typeface="+mn-lt"/>
+                <a:ea typeface="+mn-ea"/>
+                <a:cs typeface="+mn-cs"/>
+              </a:defRPr>
+            </a:lvl4pPr>
+            <a:lvl5pPr marL="1828800" algn="l" defTabSz="914400" rtl="0" eaLnBrk="1" latinLnBrk="0" hangingPunct="1">
+              <a:defRPr sz="1800" kern="1200">
+                <a:solidFill>
+                  <a:schemeClr val="tx1"/>
+                </a:solidFill>
+                <a:latin typeface="+mn-lt"/>
+                <a:ea typeface="+mn-ea"/>
+                <a:cs typeface="+mn-cs"/>
+              </a:defRPr>
+            </a:lvl5pPr>
+            <a:lvl6pPr marL="2286000" algn="l" defTabSz="914400" rtl="0" eaLnBrk="1" latinLnBrk="0" hangingPunct="1">
+              <a:defRPr sz="1800" kern="1200">
+                <a:solidFill>
+                  <a:schemeClr val="tx1"/>
+                </a:solidFill>
+                <a:latin typeface="+mn-lt"/>
+                <a:ea typeface="+mn-ea"/>
+                <a:cs typeface="+mn-cs"/>
+              </a:defRPr>
+            </a:lvl6pPr>
+            <a:lvl7pPr marL="2743200" algn="l" defTabSz="914400" rtl="0" eaLnBrk="1" latinLnBrk="0" hangingPunct="1">
+              <a:defRPr sz="1800" kern="1200">
+                <a:solidFill>
+                  <a:schemeClr val="tx1"/>
+                </a:solidFill>
+                <a:latin typeface="+mn-lt"/>
+                <a:ea typeface="+mn-ea"/>
+                <a:cs typeface="+mn-cs"/>
+              </a:defRPr>
+            </a:lvl7pPr>
+            <a:lvl8pPr marL="3200400" algn="l" defTabSz="914400" rtl="0" eaLnBrk="1" latinLnBrk="0" hangingPunct="1">
+              <a:defRPr sz="1800" kern="1200">
+                <a:solidFill>
+                  <a:schemeClr val="tx1"/>
+                </a:solidFill>
+                <a:latin typeface="+mn-lt"/>
+                <a:ea typeface="+mn-ea"/>
+                <a:cs typeface="+mn-cs"/>
+              </a:defRPr>
+            </a:lvl8pPr>
+            <a:lvl9pPr marL="3657600" algn="l" defTabSz="914400" rtl="0" eaLnBrk="1" latinLnBrk="0" hangingPunct="1">
+              <a:defRPr sz="1800" kern="1200">
+                <a:solidFill>
+                  <a:schemeClr val="tx1"/>
+                </a:solidFill>
+                <a:latin typeface="+mn-lt"/>
+                <a:ea typeface="+mn-ea"/>
+                <a:cs typeface="+mn-cs"/>
+              </a:defRPr>
+            </a:lvl9pPr>
+          </a:lstStyle>
+          <a:p>
+            <a:pPr eaLnBrk="0" hangingPunct="0">
+              <a:lnSpc>
+                <a:spcPct val="90000"/>
+              </a:lnSpc>
+              <a:spcBef>
+                <a:spcPts val="1200"/>
+              </a:spcBef>
+              <a:buClr>
+                <a:schemeClr val="accent5">
+                  <a:lumMod val="40000"/>
+                  <a:lumOff val="60000"/>
+                </a:schemeClr>
+              </a:buClr>
+              <a:buSzPct val="70000"/>
+              <a:defRPr/>
+            </a:pPr>
+            <a:r>
+              <a:rPr lang="en-US" sz="2800" b="1" noProof="1" smtClean="0">
+                <a:solidFill>
+                  <a:srgbClr val="FBEEDC"/>
+                </a:solidFill>
+                <a:effectLst>
+                  <a:outerShdw blurRad="38100" dist="38100" dir="2700000" algn="tl">
+                    <a:srgbClr val="000000">
+                      <a:alpha val="43137"/>
+                    </a:srgbClr>
+                  </a:outerShdw>
+                </a:effectLst>
+                <a:latin typeface="Consolas" pitchFamily="49" charset="0"/>
+                <a:cs typeface="Consolas" pitchFamily="49" charset="0"/>
+              </a:rPr>
+              <a:t>{{ expression | filter }}</a:t>
+            </a:r>
+            <a:endParaRPr lang="en-US" sz="2800" b="1" noProof="1" smtClean="0">
+              <a:solidFill>
+                <a:schemeClr val="tx2">
+                  <a:lumMod val="75000"/>
+                </a:schemeClr>
+              </a:solidFill>
+              <a:effectLst>
+                <a:outerShdw blurRad="38100" dist="38100" dir="2700000" algn="tl">
+                  <a:srgbClr val="000000">
+                    <a:alpha val="43137"/>
+                  </a:srgbClr>
+                </a:outerShdw>
+              </a:effectLst>
+              <a:latin typeface="Consolas" pitchFamily="49" charset="0"/>
+              <a:cs typeface="Consolas" pitchFamily="49" charset="0"/>
+            </a:endParaRPr>
+          </a:p>
+        </p:txBody>
+      </p:sp>
     </p:spTree>
     <p:extLst>
       <p:ext uri="{BB962C8B-B14F-4D97-AF65-F5344CB8AC3E}">
-        <p14:creationId xmlns:p14="http://schemas.microsoft.com/office/powerpoint/2010/main" val="1795311349"/>
+        <p14:creationId xmlns:p14="http://schemas.microsoft.com/office/powerpoint/2010/main" val="1077139179"/>
       </p:ext>
     </p:extLst>
   </p:cSld>
@@ -14019,476 +14235,6 @@
       </p:grpSpPr>
       <p:sp>
         <p:nvSpPr>
-          <p:cNvPr id="2" name="Title 1"/>
-          <p:cNvSpPr>
-            <a:spLocks noGrp="1"/>
-          </p:cNvSpPr>
-          <p:nvPr>
-            <p:ph type="title"/>
-          </p:nvPr>
-        </p:nvSpPr>
-        <p:spPr>
-          <a:xfrm>
-            <a:off x="1446212" y="4834376"/>
-            <a:ext cx="8938472" cy="820600"/>
-          </a:xfrm>
-        </p:spPr>
-        <p:txBody>
-          <a:bodyPr/>
-          <a:lstStyle/>
-          <a:p>
-            <a:r>
-              <a:rPr lang="en-GB" dirty="0" smtClean="0"/>
-              <a:t>Filters</a:t>
-            </a:r>
-            <a:endParaRPr lang="en-GB" dirty="0"/>
-          </a:p>
-        </p:txBody>
-      </p:sp>
-      <p:sp>
-        <p:nvSpPr>
-          <p:cNvPr id="3" name="Text Placeholder 2"/>
-          <p:cNvSpPr>
-            <a:spLocks noGrp="1"/>
-          </p:cNvSpPr>
-          <p:nvPr>
-            <p:ph type="body" idx="1"/>
-          </p:nvPr>
-        </p:nvSpPr>
-        <p:spPr>
-          <a:xfrm>
-            <a:off x="1446212" y="5636344"/>
-            <a:ext cx="8938472" cy="688256"/>
-          </a:xfrm>
-        </p:spPr>
-        <p:txBody>
-          <a:bodyPr/>
-          <a:lstStyle/>
-          <a:p>
-            <a:r>
-              <a:rPr lang="en-GB" dirty="0" smtClean="0"/>
-              <a:t>Formatting Data in Expressions</a:t>
-            </a:r>
-            <a:endParaRPr lang="en-GB" dirty="0"/>
-          </a:p>
-        </p:txBody>
-      </p:sp>
-      <p:pic>
-        <p:nvPicPr>
-          <p:cNvPr id="3074" name="Picture 2" descr="http://www.blitzleadmanager.com/blog/wp-content/uploads/2013/09/Filtering-Flour-by-Peter-J.-Roberts.jpg"/>
-          <p:cNvPicPr>
-            <a:picLocks noChangeAspect="1" noChangeArrowheads="1"/>
-          </p:cNvPicPr>
-          <p:nvPr/>
-        </p:nvPicPr>
-        <p:blipFill>
-          <a:blip r:embed="rId2">
-            <a:extLst>
-              <a:ext uri="{28A0092B-C50C-407E-A947-70E740481C1C}">
-                <a14:useLocalDpi xmlns:a14="http://schemas.microsoft.com/office/drawing/2010/main" val="0"/>
-              </a:ext>
-            </a:extLst>
-          </a:blip>
-          <a:srcRect/>
-          <a:stretch>
-            <a:fillRect/>
-          </a:stretch>
-        </p:blipFill>
-        <p:spPr bwMode="auto">
-          <a:xfrm>
-            <a:off x="3983884" y="1481576"/>
-            <a:ext cx="3863128" cy="3113682"/>
-          </a:xfrm>
-          <a:prstGeom prst="rect">
-            <a:avLst/>
-          </a:prstGeom>
-          <a:noFill/>
-          <a:extLst>
-            <a:ext uri="{909E8E84-426E-40DD-AFC4-6F175D3DCCD1}">
-              <a14:hiddenFill xmlns:a14="http://schemas.microsoft.com/office/drawing/2010/main">
-                <a:solidFill>
-                  <a:srgbClr val="FFFFFF"/>
-                </a:solidFill>
-              </a14:hiddenFill>
-            </a:ext>
-          </a:extLst>
-        </p:spPr>
-      </p:pic>
-    </p:spTree>
-    <p:extLst>
-      <p:ext uri="{BB962C8B-B14F-4D97-AF65-F5344CB8AC3E}">
-        <p14:creationId xmlns:p14="http://schemas.microsoft.com/office/powerpoint/2010/main" val="609261584"/>
-      </p:ext>
-    </p:extLst>
-  </p:cSld>
-  <p:clrMapOvr>
-    <a:masterClrMapping/>
-  </p:clrMapOvr>
-  <mc:AlternateContent xmlns:mc="http://schemas.openxmlformats.org/markup-compatibility/2006" xmlns:p14="http://schemas.microsoft.com/office/powerpoint/2010/main">
-    <mc:Choice Requires="p14">
-      <p:transition p14:dur="0"/>
-    </mc:Choice>
-    <mc:Fallback xmlns="">
-      <p:transition/>
-    </mc:Fallback>
-  </mc:AlternateContent>
-  <p:timing>
-    <p:tnLst>
-      <p:par>
-        <p:cTn id="1" dur="indefinite" restart="never" nodeType="tmRoot"/>
-      </p:par>
-    </p:tnLst>
-  </p:timing>
-</p:sld>
-</file>
-
-<file path=ppt/slides/slide22.xml><?xml version="1.0" encoding="utf-8"?>
-<p:sld xmlns:a="http://schemas.openxmlformats.org/drawingml/2006/main" xmlns:r="http://schemas.openxmlformats.org/officeDocument/2006/relationships" xmlns:p="http://schemas.openxmlformats.org/presentationml/2006/main">
-  <p:cSld>
-    <p:spTree>
-      <p:nvGrpSpPr>
-        <p:cNvPr id="1" name=""/>
-        <p:cNvGrpSpPr/>
-        <p:nvPr/>
-      </p:nvGrpSpPr>
-      <p:grpSpPr>
-        <a:xfrm>
-          <a:off x="0" y="0"/>
-          <a:ext cx="0" cy="0"/>
-          <a:chOff x="0" y="0"/>
-          <a:chExt cx="0" cy="0"/>
-        </a:xfrm>
-      </p:grpSpPr>
-      <p:sp>
-        <p:nvSpPr>
-          <p:cNvPr id="5" name="Content Placeholder 4"/>
-          <p:cNvSpPr>
-            <a:spLocks noGrp="1"/>
-          </p:cNvSpPr>
-          <p:nvPr>
-            <p:ph idx="1"/>
-          </p:nvPr>
-        </p:nvSpPr>
-        <p:spPr/>
-        <p:txBody>
-          <a:bodyPr/>
-          <a:lstStyle/>
-          <a:p>
-            <a:r>
-              <a:rPr lang="en-GB" dirty="0" smtClean="0"/>
-              <a:t>Angular </a:t>
-            </a:r>
-            <a:r>
-              <a:rPr lang="en-GB" dirty="0" smtClean="0">
-                <a:solidFill>
-                  <a:schemeClr val="tx2">
-                    <a:lumMod val="75000"/>
-                  </a:schemeClr>
-                </a:solidFill>
-              </a:rPr>
-              <a:t>filters</a:t>
-            </a:r>
-            <a:r>
-              <a:rPr lang="en-GB" dirty="0" smtClean="0"/>
-              <a:t> format the value of an expression</a:t>
-            </a:r>
-          </a:p>
-          <a:p>
-            <a:pPr lvl="1"/>
-            <a:r>
-              <a:rPr lang="en-GB" dirty="0" smtClean="0"/>
-              <a:t>Modify the output</a:t>
-            </a:r>
-          </a:p>
-          <a:p>
-            <a:pPr lvl="1"/>
-            <a:r>
-              <a:rPr lang="en-GB" dirty="0" smtClean="0"/>
-              <a:t>Format the output</a:t>
-            </a:r>
-          </a:p>
-          <a:p>
-            <a:pPr lvl="1"/>
-            <a:r>
-              <a:rPr lang="en-GB" dirty="0" smtClean="0"/>
-              <a:t>Sort data</a:t>
-            </a:r>
-          </a:p>
-          <a:p>
-            <a:pPr lvl="1"/>
-            <a:r>
-              <a:rPr lang="en-GB" dirty="0" smtClean="0"/>
-              <a:t>Filter data</a:t>
-            </a:r>
-          </a:p>
-          <a:p>
-            <a:pPr>
-              <a:spcBef>
-                <a:spcPts val="1200"/>
-              </a:spcBef>
-            </a:pPr>
-            <a:r>
-              <a:rPr lang="en-GB" dirty="0" smtClean="0"/>
-              <a:t>Using filters:</a:t>
-            </a:r>
-            <a:endParaRPr lang="en-GB" dirty="0"/>
-          </a:p>
-        </p:txBody>
-      </p:sp>
-      <p:sp>
-        <p:nvSpPr>
-          <p:cNvPr id="4" name="Title 3"/>
-          <p:cNvSpPr>
-            <a:spLocks noGrp="1"/>
-          </p:cNvSpPr>
-          <p:nvPr>
-            <p:ph type="title"/>
-          </p:nvPr>
-        </p:nvSpPr>
-        <p:spPr/>
-        <p:txBody>
-          <a:bodyPr/>
-          <a:lstStyle/>
-          <a:p>
-            <a:r>
-              <a:rPr lang="en-GB" dirty="0" smtClean="0"/>
-              <a:t>Filters</a:t>
-            </a:r>
-            <a:endParaRPr lang="en-GB" dirty="0"/>
-          </a:p>
-        </p:txBody>
-      </p:sp>
-      <p:sp>
-        <p:nvSpPr>
-          <p:cNvPr id="6" name="Rectangle 5"/>
-          <p:cNvSpPr>
-            <a:spLocks noChangeArrowheads="1"/>
-          </p:cNvSpPr>
-          <p:nvPr/>
-        </p:nvSpPr>
-        <p:spPr bwMode="auto">
-          <a:xfrm>
-            <a:off x="3427414" y="5562600"/>
-            <a:ext cx="5333998" cy="480131"/>
-          </a:xfrm>
-          <a:prstGeom prst="rect">
-            <a:avLst/>
-          </a:prstGeom>
-          <a:solidFill>
-            <a:schemeClr val="accent5">
-              <a:lumMod val="40000"/>
-              <a:lumOff val="60000"/>
-              <a:alpha val="15000"/>
-            </a:schemeClr>
-          </a:solidFill>
-          <a:ln w="12700">
-            <a:solidFill>
-              <a:schemeClr val="accent5">
-                <a:lumMod val="60000"/>
-                <a:lumOff val="40000"/>
-              </a:schemeClr>
-            </a:solidFill>
-          </a:ln>
-        </p:spPr>
-        <p:txBody>
-          <a:bodyPr wrap="square">
-            <a:spAutoFit/>
-          </a:bodyPr>
-          <a:lstStyle>
-            <a:defPPr>
-              <a:defRPr lang="en-US"/>
-            </a:defPPr>
-            <a:lvl1pPr marL="0" algn="l" defTabSz="914400" rtl="0" eaLnBrk="1" latinLnBrk="0" hangingPunct="1">
-              <a:defRPr sz="1800" kern="1200">
-                <a:solidFill>
-                  <a:schemeClr val="tx1"/>
-                </a:solidFill>
-                <a:latin typeface="+mn-lt"/>
-                <a:ea typeface="+mn-ea"/>
-                <a:cs typeface="+mn-cs"/>
-              </a:defRPr>
-            </a:lvl1pPr>
-            <a:lvl2pPr marL="457200" algn="l" defTabSz="914400" rtl="0" eaLnBrk="1" latinLnBrk="0" hangingPunct="1">
-              <a:defRPr sz="1800" kern="1200">
-                <a:solidFill>
-                  <a:schemeClr val="tx1"/>
-                </a:solidFill>
-                <a:latin typeface="+mn-lt"/>
-                <a:ea typeface="+mn-ea"/>
-                <a:cs typeface="+mn-cs"/>
-              </a:defRPr>
-            </a:lvl2pPr>
-            <a:lvl3pPr marL="914400" algn="l" defTabSz="914400" rtl="0" eaLnBrk="1" latinLnBrk="0" hangingPunct="1">
-              <a:defRPr sz="1800" kern="1200">
-                <a:solidFill>
-                  <a:schemeClr val="tx1"/>
-                </a:solidFill>
-                <a:latin typeface="+mn-lt"/>
-                <a:ea typeface="+mn-ea"/>
-                <a:cs typeface="+mn-cs"/>
-              </a:defRPr>
-            </a:lvl3pPr>
-            <a:lvl4pPr marL="1371600" algn="l" defTabSz="914400" rtl="0" eaLnBrk="1" latinLnBrk="0" hangingPunct="1">
-              <a:defRPr sz="1800" kern="1200">
-                <a:solidFill>
-                  <a:schemeClr val="tx1"/>
-                </a:solidFill>
-                <a:latin typeface="+mn-lt"/>
-                <a:ea typeface="+mn-ea"/>
-                <a:cs typeface="+mn-cs"/>
-              </a:defRPr>
-            </a:lvl4pPr>
-            <a:lvl5pPr marL="1828800" algn="l" defTabSz="914400" rtl="0" eaLnBrk="1" latinLnBrk="0" hangingPunct="1">
-              <a:defRPr sz="1800" kern="1200">
-                <a:solidFill>
-                  <a:schemeClr val="tx1"/>
-                </a:solidFill>
-                <a:latin typeface="+mn-lt"/>
-                <a:ea typeface="+mn-ea"/>
-                <a:cs typeface="+mn-cs"/>
-              </a:defRPr>
-            </a:lvl5pPr>
-            <a:lvl6pPr marL="2286000" algn="l" defTabSz="914400" rtl="0" eaLnBrk="1" latinLnBrk="0" hangingPunct="1">
-              <a:defRPr sz="1800" kern="1200">
-                <a:solidFill>
-                  <a:schemeClr val="tx1"/>
-                </a:solidFill>
-                <a:latin typeface="+mn-lt"/>
-                <a:ea typeface="+mn-ea"/>
-                <a:cs typeface="+mn-cs"/>
-              </a:defRPr>
-            </a:lvl6pPr>
-            <a:lvl7pPr marL="2743200" algn="l" defTabSz="914400" rtl="0" eaLnBrk="1" latinLnBrk="0" hangingPunct="1">
-              <a:defRPr sz="1800" kern="1200">
-                <a:solidFill>
-                  <a:schemeClr val="tx1"/>
-                </a:solidFill>
-                <a:latin typeface="+mn-lt"/>
-                <a:ea typeface="+mn-ea"/>
-                <a:cs typeface="+mn-cs"/>
-              </a:defRPr>
-            </a:lvl7pPr>
-            <a:lvl8pPr marL="3200400" algn="l" defTabSz="914400" rtl="0" eaLnBrk="1" latinLnBrk="0" hangingPunct="1">
-              <a:defRPr sz="1800" kern="1200">
-                <a:solidFill>
-                  <a:schemeClr val="tx1"/>
-                </a:solidFill>
-                <a:latin typeface="+mn-lt"/>
-                <a:ea typeface="+mn-ea"/>
-                <a:cs typeface="+mn-cs"/>
-              </a:defRPr>
-            </a:lvl8pPr>
-            <a:lvl9pPr marL="3657600" algn="l" defTabSz="914400" rtl="0" eaLnBrk="1" latinLnBrk="0" hangingPunct="1">
-              <a:defRPr sz="1800" kern="1200">
-                <a:solidFill>
-                  <a:schemeClr val="tx1"/>
-                </a:solidFill>
-                <a:latin typeface="+mn-lt"/>
-                <a:ea typeface="+mn-ea"/>
-                <a:cs typeface="+mn-cs"/>
-              </a:defRPr>
-            </a:lvl9pPr>
-          </a:lstStyle>
-          <a:p>
-            <a:pPr eaLnBrk="0" hangingPunct="0">
-              <a:lnSpc>
-                <a:spcPct val="90000"/>
-              </a:lnSpc>
-              <a:spcBef>
-                <a:spcPts val="1200"/>
-              </a:spcBef>
-              <a:buClr>
-                <a:schemeClr val="accent5">
-                  <a:lumMod val="40000"/>
-                  <a:lumOff val="60000"/>
-                </a:schemeClr>
-              </a:buClr>
-              <a:buSzPct val="70000"/>
-              <a:defRPr/>
-            </a:pPr>
-            <a:r>
-              <a:rPr lang="en-US" sz="2800" b="1" noProof="1" smtClean="0">
-                <a:solidFill>
-                  <a:srgbClr val="FBEEDC"/>
-                </a:solidFill>
-                <a:effectLst>
-                  <a:outerShdw blurRad="38100" dist="38100" dir="2700000" algn="tl">
-                    <a:srgbClr val="000000">
-                      <a:alpha val="43137"/>
-                    </a:srgbClr>
-                  </a:outerShdw>
-                </a:effectLst>
-                <a:latin typeface="Consolas" pitchFamily="49" charset="0"/>
-                <a:cs typeface="Consolas" pitchFamily="49" charset="0"/>
-              </a:rPr>
-              <a:t>{{ expression | filter }}</a:t>
-            </a:r>
-            <a:endParaRPr lang="en-US" sz="2800" b="1" noProof="1" smtClean="0">
-              <a:solidFill>
-                <a:schemeClr val="tx2">
-                  <a:lumMod val="75000"/>
-                </a:schemeClr>
-              </a:solidFill>
-              <a:effectLst>
-                <a:outerShdw blurRad="38100" dist="38100" dir="2700000" algn="tl">
-                  <a:srgbClr val="000000">
-                    <a:alpha val="43137"/>
-                  </a:srgbClr>
-                </a:outerShdw>
-              </a:effectLst>
-              <a:latin typeface="Consolas" pitchFamily="49" charset="0"/>
-              <a:cs typeface="Consolas" pitchFamily="49" charset="0"/>
-            </a:endParaRPr>
-          </a:p>
-        </p:txBody>
-      </p:sp>
-    </p:spTree>
-    <p:extLst>
-      <p:ext uri="{BB962C8B-B14F-4D97-AF65-F5344CB8AC3E}">
-        <p14:creationId xmlns:p14="http://schemas.microsoft.com/office/powerpoint/2010/main" val="1077139179"/>
-      </p:ext>
-    </p:extLst>
-  </p:cSld>
-  <p:clrMapOvr>
-    <a:masterClrMapping/>
-  </p:clrMapOvr>
-  <mc:AlternateContent xmlns:mc="http://schemas.openxmlformats.org/markup-compatibility/2006" xmlns:p14="http://schemas.microsoft.com/office/powerpoint/2010/main">
-    <mc:Choice Requires="p14">
-      <p:transition p14:dur="0"/>
-    </mc:Choice>
-    <mc:Fallback xmlns="">
-      <p:transition/>
-    </mc:Fallback>
-  </mc:AlternateContent>
-  <p:timing>
-    <p:tnLst>
-      <p:par>
-        <p:cTn id="1" dur="indefinite" restart="never" nodeType="tmRoot"/>
-      </p:par>
-    </p:tnLst>
-  </p:timing>
-</p:sld>
-</file>
-
-<file path=ppt/slides/slide23.xml><?xml version="1.0" encoding="utf-8"?>
-<p:sld xmlns:a="http://schemas.openxmlformats.org/drawingml/2006/main" xmlns:r="http://schemas.openxmlformats.org/officeDocument/2006/relationships" xmlns:p="http://schemas.openxmlformats.org/presentationml/2006/main">
-  <p:cSld>
-    <p:spTree>
-      <p:nvGrpSpPr>
-        <p:cNvPr id="1" name=""/>
-        <p:cNvGrpSpPr/>
-        <p:nvPr/>
-      </p:nvGrpSpPr>
-      <p:grpSpPr>
-        <a:xfrm>
-          <a:off x="0" y="0"/>
-          <a:ext cx="0" cy="0"/>
-          <a:chOff x="0" y="0"/>
-          <a:chExt cx="0" cy="0"/>
-        </a:xfrm>
-      </p:grpSpPr>
-      <p:sp>
-        <p:nvSpPr>
           <p:cNvPr id="2" name="Slide Number Placeholder 1"/>
           <p:cNvSpPr>
             <a:spLocks noGrp="1"/>
@@ -14505,7 +14251,7 @@
             <a:fld id="{C014DD1E-5D91-48A3-AD6D-45FBA980D106}" type="slidenum">
               <a:rPr lang="en-US" smtClean="0"/>
               <a:pPr/>
-              <a:t>23</a:t>
+              <a:t>21</a:t>
             </a:fld>
             <a:endParaRPr lang="en-US" dirty="0"/>
           </a:p>
@@ -16513,7 +16259,7 @@
 </p:sld>
 </file>
 
-<file path=ppt/slides/slide24.xml><?xml version="1.0" encoding="utf-8"?>
+<file path=ppt/slides/slide22.xml><?xml version="1.0" encoding="utf-8"?>
 <p:sld xmlns:a="http://schemas.openxmlformats.org/drawingml/2006/main" xmlns:r="http://schemas.openxmlformats.org/officeDocument/2006/relationships" xmlns:p="http://schemas.openxmlformats.org/presentationml/2006/main">
   <p:cSld>
     <p:spTree>
@@ -16548,7 +16294,7 @@
             <a:fld id="{C014DD1E-5D91-48A3-AD6D-45FBA980D106}" type="slidenum">
               <a:rPr lang="en-US" smtClean="0"/>
               <a:pPr/>
-              <a:t>24</a:t>
+              <a:t>22</a:t>
             </a:fld>
             <a:endParaRPr lang="en-US" dirty="0"/>
           </a:p>
@@ -17106,7 +16852,7 @@
 </p:sld>
 </file>
 
-<file path=ppt/slides/slide25.xml><?xml version="1.0" encoding="utf-8"?>
+<file path=ppt/slides/slide23.xml><?xml version="1.0" encoding="utf-8"?>
 <p:sld xmlns:a="http://schemas.openxmlformats.org/drawingml/2006/main" xmlns:r="http://schemas.openxmlformats.org/officeDocument/2006/relationships" xmlns:p="http://schemas.openxmlformats.org/presentationml/2006/main">
   <p:cSld>
     <p:spTree>
@@ -17238,7 +16984,7 @@
 </p:sld>
 </file>
 
-<file path=ppt/slides/slide26.xml><?xml version="1.0" encoding="utf-8"?>
+<file path=ppt/slides/slide24.xml><?xml version="1.0" encoding="utf-8"?>
 <p:sld xmlns:a="http://schemas.openxmlformats.org/drawingml/2006/main" xmlns:r="http://schemas.openxmlformats.org/officeDocument/2006/relationships" xmlns:p="http://schemas.openxmlformats.org/presentationml/2006/main">
   <p:cSld>
     <p:spTree>
@@ -17388,7 +17134,7 @@
 </p:sld>
 </file>
 
-<file path=ppt/slides/slide27.xml><?xml version="1.0" encoding="utf-8"?>
+<file path=ppt/slides/slide25.xml><?xml version="1.0" encoding="utf-8"?>
 <p:sld xmlns:a="http://schemas.openxmlformats.org/drawingml/2006/main" xmlns:r="http://schemas.openxmlformats.org/officeDocument/2006/relationships" xmlns:p="http://schemas.openxmlformats.org/presentationml/2006/main">
   <p:cSld>
     <p:spTree>
@@ -18067,7 +17813,7 @@
 </p:sld>
 </file>
 
-<file path=ppt/slides/slide28.xml><?xml version="1.0" encoding="utf-8"?>
+<file path=ppt/slides/slide26.xml><?xml version="1.0" encoding="utf-8"?>
 <p:sld xmlns:a="http://schemas.openxmlformats.org/drawingml/2006/main" xmlns:r="http://schemas.openxmlformats.org/officeDocument/2006/relationships" xmlns:p="http://schemas.openxmlformats.org/presentationml/2006/main">
   <p:cSld>
     <p:spTree>
@@ -18198,7 +17944,7 @@
 </p:sld>
 </file>
 
-<file path=ppt/slides/slide29.xml><?xml version="1.0" encoding="utf-8"?>
+<file path=ppt/slides/slide27.xml><?xml version="1.0" encoding="utf-8"?>
 <p:sld xmlns:a="http://schemas.openxmlformats.org/drawingml/2006/main" xmlns:r="http://schemas.openxmlformats.org/officeDocument/2006/relationships" xmlns:p="http://schemas.openxmlformats.org/presentationml/2006/main">
   <p:cSld>
     <p:spTree>
@@ -18551,364 +18297,7 @@
 </p:sld>
 </file>
 
-<file path=ppt/slides/slide3.xml><?xml version="1.0" encoding="utf-8"?>
-<p:sld xmlns:a="http://schemas.openxmlformats.org/drawingml/2006/main" xmlns:r="http://schemas.openxmlformats.org/officeDocument/2006/relationships" xmlns:p="http://schemas.openxmlformats.org/presentationml/2006/main">
-  <p:cSld>
-    <p:spTree>
-      <p:nvGrpSpPr>
-        <p:cNvPr id="1" name=""/>
-        <p:cNvGrpSpPr/>
-        <p:nvPr/>
-      </p:nvGrpSpPr>
-      <p:grpSpPr>
-        <a:xfrm>
-          <a:off x="0" y="0"/>
-          <a:ext cx="0" cy="0"/>
-          <a:chOff x="0" y="0"/>
-          <a:chExt cx="0" cy="0"/>
-        </a:xfrm>
-      </p:grpSpPr>
-      <p:sp>
-        <p:nvSpPr>
-          <p:cNvPr id="5" name="Title 4"/>
-          <p:cNvSpPr>
-            <a:spLocks noGrp="1"/>
-          </p:cNvSpPr>
-          <p:nvPr>
-            <p:ph type="title"/>
-          </p:nvPr>
-        </p:nvSpPr>
-        <p:spPr>
-          <a:xfrm>
-            <a:off x="1446212" y="5220629"/>
-            <a:ext cx="8938472" cy="820600"/>
-          </a:xfrm>
-        </p:spPr>
-        <p:txBody>
-          <a:bodyPr/>
-          <a:lstStyle/>
-          <a:p>
-            <a:r>
-              <a:rPr lang="en-GB" dirty="0" smtClean="0"/>
-              <a:t>Controllers &amp; Scope</a:t>
-            </a:r>
-            <a:endParaRPr lang="en-GB" dirty="0"/>
-          </a:p>
-        </p:txBody>
-      </p:sp>
-      <p:sp>
-        <p:nvSpPr>
-          <p:cNvPr id="7" name="Flowchart: Alternate Process 6"/>
-          <p:cNvSpPr/>
-          <p:nvPr/>
-        </p:nvSpPr>
-        <p:spPr>
-          <a:xfrm>
-            <a:off x="1299174" y="2971800"/>
-            <a:ext cx="1905000" cy="1107688"/>
-          </a:xfrm>
-          <a:prstGeom prst="flowChartAlternateProcess">
-            <a:avLst/>
-          </a:prstGeom>
-        </p:spPr>
-        <p:style>
-          <a:lnRef idx="2">
-            <a:schemeClr val="accent1">
-              <a:shade val="50000"/>
-            </a:schemeClr>
-          </a:lnRef>
-          <a:fillRef idx="1">
-            <a:schemeClr val="accent1"/>
-          </a:fillRef>
-          <a:effectRef idx="0">
-            <a:schemeClr val="accent1"/>
-          </a:effectRef>
-          <a:fontRef idx="minor">
-            <a:schemeClr val="lt1"/>
-          </a:fontRef>
-        </p:style>
-        <p:txBody>
-          <a:bodyPr rtlCol="0" anchor="ctr"/>
-          <a:lstStyle/>
-          <a:p>
-            <a:pPr algn="ctr"/>
-            <a:r>
-              <a:rPr lang="en-GB" sz="2800" b="1" dirty="0" smtClean="0">
-                <a:effectLst>
-                  <a:outerShdw blurRad="38100" dist="38100" dir="2700000" algn="tl">
-                    <a:srgbClr val="000000">
-                      <a:alpha val="43137"/>
-                    </a:srgbClr>
-                  </a:outerShdw>
-                </a:effectLst>
-              </a:rPr>
-              <a:t>Controller</a:t>
-            </a:r>
-            <a:endParaRPr lang="en-GB" sz="2800" b="1" dirty="0">
-              <a:effectLst>
-                <a:outerShdw blurRad="38100" dist="38100" dir="2700000" algn="tl">
-                  <a:srgbClr val="000000">
-                    <a:alpha val="43137"/>
-                  </a:srgbClr>
-                </a:outerShdw>
-              </a:effectLst>
-            </a:endParaRPr>
-          </a:p>
-        </p:txBody>
-      </p:sp>
-      <p:sp>
-        <p:nvSpPr>
-          <p:cNvPr id="8" name="Flowchart: Alternate Process 7"/>
-          <p:cNvSpPr/>
-          <p:nvPr/>
-        </p:nvSpPr>
-        <p:spPr>
-          <a:xfrm>
-            <a:off x="5027612" y="3010829"/>
-            <a:ext cx="1905000" cy="1107688"/>
-          </a:xfrm>
-          <a:prstGeom prst="flowChartAlternateProcess">
-            <a:avLst/>
-          </a:prstGeom>
-        </p:spPr>
-        <p:style>
-          <a:lnRef idx="2">
-            <a:schemeClr val="accent2">
-              <a:shade val="50000"/>
-            </a:schemeClr>
-          </a:lnRef>
-          <a:fillRef idx="1">
-            <a:schemeClr val="accent2"/>
-          </a:fillRef>
-          <a:effectRef idx="0">
-            <a:schemeClr val="accent2"/>
-          </a:effectRef>
-          <a:fontRef idx="minor">
-            <a:schemeClr val="lt1"/>
-          </a:fontRef>
-        </p:style>
-        <p:txBody>
-          <a:bodyPr rtlCol="0" anchor="ctr"/>
-          <a:lstStyle/>
-          <a:p>
-            <a:pPr algn="ctr"/>
-            <a:r>
-              <a:rPr lang="en-GB" sz="2800" b="1" dirty="0" smtClean="0">
-                <a:effectLst>
-                  <a:outerShdw blurRad="38100" dist="38100" dir="2700000" algn="tl">
-                    <a:srgbClr val="000000">
-                      <a:alpha val="43137"/>
-                    </a:srgbClr>
-                  </a:outerShdw>
-                </a:effectLst>
-              </a:rPr>
-              <a:t>Scope</a:t>
-            </a:r>
-            <a:endParaRPr lang="en-GB" sz="2800" b="1" dirty="0">
-              <a:effectLst>
-                <a:outerShdw blurRad="38100" dist="38100" dir="2700000" algn="tl">
-                  <a:srgbClr val="000000">
-                    <a:alpha val="43137"/>
-                  </a:srgbClr>
-                </a:outerShdw>
-              </a:effectLst>
-            </a:endParaRPr>
-          </a:p>
-        </p:txBody>
-      </p:sp>
-      <p:sp>
-        <p:nvSpPr>
-          <p:cNvPr id="9" name="Flowchart: Alternate Process 8"/>
-          <p:cNvSpPr/>
-          <p:nvPr/>
-        </p:nvSpPr>
-        <p:spPr>
-          <a:xfrm>
-            <a:off x="8572810" y="3027556"/>
-            <a:ext cx="1905000" cy="1107688"/>
-          </a:xfrm>
-          <a:prstGeom prst="flowChartAlternateProcess">
-            <a:avLst/>
-          </a:prstGeom>
-        </p:spPr>
-        <p:style>
-          <a:lnRef idx="1">
-            <a:schemeClr val="accent5"/>
-          </a:lnRef>
-          <a:fillRef idx="3">
-            <a:schemeClr val="accent5"/>
-          </a:fillRef>
-          <a:effectRef idx="2">
-            <a:schemeClr val="accent5"/>
-          </a:effectRef>
-          <a:fontRef idx="minor">
-            <a:schemeClr val="lt1"/>
-          </a:fontRef>
-        </p:style>
-        <p:txBody>
-          <a:bodyPr rtlCol="0" anchor="ctr"/>
-          <a:lstStyle/>
-          <a:p>
-            <a:pPr algn="ctr"/>
-            <a:r>
-              <a:rPr lang="en-GB" sz="2800" b="1" dirty="0" smtClean="0">
-                <a:effectLst>
-                  <a:outerShdw blurRad="38100" dist="38100" dir="2700000" algn="tl">
-                    <a:srgbClr val="000000">
-                      <a:alpha val="43137"/>
-                    </a:srgbClr>
-                  </a:outerShdw>
-                </a:effectLst>
-              </a:rPr>
-              <a:t>View</a:t>
-            </a:r>
-            <a:endParaRPr lang="en-GB" sz="2800" b="1" dirty="0">
-              <a:effectLst>
-                <a:outerShdw blurRad="38100" dist="38100" dir="2700000" algn="tl">
-                  <a:srgbClr val="000000">
-                    <a:alpha val="43137"/>
-                  </a:srgbClr>
-                </a:outerShdw>
-              </a:effectLst>
-            </a:endParaRPr>
-          </a:p>
-        </p:txBody>
-      </p:sp>
-      <p:sp>
-        <p:nvSpPr>
-          <p:cNvPr id="12" name="Left-Right Arrow 11"/>
-          <p:cNvSpPr/>
-          <p:nvPr/>
-        </p:nvSpPr>
-        <p:spPr>
-          <a:xfrm>
-            <a:off x="3422000" y="3387926"/>
-            <a:ext cx="1387786" cy="353494"/>
-          </a:xfrm>
-          <a:prstGeom prst="leftRightArrow">
-            <a:avLst/>
-          </a:prstGeom>
-        </p:spPr>
-        <p:style>
-          <a:lnRef idx="2">
-            <a:schemeClr val="accent1">
-              <a:shade val="50000"/>
-            </a:schemeClr>
-          </a:lnRef>
-          <a:fillRef idx="1">
-            <a:schemeClr val="accent1"/>
-          </a:fillRef>
-          <a:effectRef idx="0">
-            <a:schemeClr val="accent1"/>
-          </a:effectRef>
-          <a:fontRef idx="minor">
-            <a:schemeClr val="lt1"/>
-          </a:fontRef>
-        </p:style>
-        <p:txBody>
-          <a:bodyPr rtlCol="0" anchor="ctr"/>
-          <a:lstStyle/>
-          <a:p>
-            <a:pPr algn="ctr"/>
-            <a:endParaRPr lang="en-GB" sz="2800"/>
-          </a:p>
-        </p:txBody>
-      </p:sp>
-      <p:sp>
-        <p:nvSpPr>
-          <p:cNvPr id="13" name="Left-Right Arrow 12"/>
-          <p:cNvSpPr/>
-          <p:nvPr/>
-        </p:nvSpPr>
-        <p:spPr>
-          <a:xfrm>
-            <a:off x="7058818" y="3409299"/>
-            <a:ext cx="1387786" cy="344201"/>
-          </a:xfrm>
-          <a:prstGeom prst="leftRightArrow">
-            <a:avLst/>
-          </a:prstGeom>
-        </p:spPr>
-        <p:style>
-          <a:lnRef idx="2">
-            <a:schemeClr val="accent1">
-              <a:shade val="50000"/>
-            </a:schemeClr>
-          </a:lnRef>
-          <a:fillRef idx="1">
-            <a:schemeClr val="accent1"/>
-          </a:fillRef>
-          <a:effectRef idx="0">
-            <a:schemeClr val="accent1"/>
-          </a:effectRef>
-          <a:fontRef idx="minor">
-            <a:schemeClr val="lt1"/>
-          </a:fontRef>
-        </p:style>
-        <p:txBody>
-          <a:bodyPr rtlCol="0" anchor="ctr"/>
-          <a:lstStyle/>
-          <a:p>
-            <a:pPr algn="ctr"/>
-            <a:endParaRPr lang="en-GB" sz="2800"/>
-          </a:p>
-        </p:txBody>
-      </p:sp>
-      <p:pic>
-        <p:nvPicPr>
-          <p:cNvPr id="10" name="Picture 9"/>
-          <p:cNvPicPr>
-            <a:picLocks noChangeAspect="1"/>
-          </p:cNvPicPr>
-          <p:nvPr/>
-        </p:nvPicPr>
-        <p:blipFill>
-          <a:blip r:embed="rId2"/>
-          <a:stretch>
-            <a:fillRect/>
-          </a:stretch>
-        </p:blipFill>
-        <p:spPr>
-          <a:xfrm>
-            <a:off x="608012" y="533400"/>
-            <a:ext cx="2672362" cy="923628"/>
-          </a:xfrm>
-          <a:prstGeom prst="roundRect">
-            <a:avLst>
-              <a:gd name="adj" fmla="val 6668"/>
-            </a:avLst>
-          </a:prstGeom>
-        </p:spPr>
-      </p:pic>
-    </p:spTree>
-    <p:extLst>
-      <p:ext uri="{BB962C8B-B14F-4D97-AF65-F5344CB8AC3E}">
-        <p14:creationId xmlns:p14="http://schemas.microsoft.com/office/powerpoint/2010/main" val="703844237"/>
-      </p:ext>
-    </p:extLst>
-  </p:cSld>
-  <p:clrMapOvr>
-    <a:masterClrMapping/>
-  </p:clrMapOvr>
-  <mc:AlternateContent xmlns:mc="http://schemas.openxmlformats.org/markup-compatibility/2006" xmlns:p14="http://schemas.microsoft.com/office/powerpoint/2010/main">
-    <mc:Choice Requires="p14">
-      <p:transition p14:dur="0"/>
-    </mc:Choice>
-    <mc:Fallback xmlns="">
-      <p:transition/>
-    </mc:Fallback>
-  </mc:AlternateContent>
-  <p:timing>
-    <p:tnLst>
-      <p:par>
-        <p:cTn id="1" dur="indefinite" restart="never" nodeType="tmRoot"/>
-      </p:par>
-    </p:tnLst>
-  </p:timing>
-</p:sld>
-</file>
-
-<file path=ppt/slides/slide30.xml><?xml version="1.0" encoding="utf-8"?>
+<file path=ppt/slides/slide28.xml><?xml version="1.0" encoding="utf-8"?>
 <p:sld xmlns:a="http://schemas.openxmlformats.org/drawingml/2006/main" xmlns:r="http://schemas.openxmlformats.org/officeDocument/2006/relationships" xmlns:p="http://schemas.openxmlformats.org/presentationml/2006/main">
   <p:cSld>
     <p:spTree>
@@ -19016,11 +18405,11 @@
   <p:clrMapOvr>
     <a:masterClrMapping/>
   </p:clrMapOvr>
-  <mc:AlternateContent xmlns:mc="http://schemas.openxmlformats.org/markup-compatibility/2006">
-    <mc:Choice xmlns:p14="http://schemas.microsoft.com/office/powerpoint/2010/main" Requires="p14">
+  <mc:AlternateContent xmlns:mc="http://schemas.openxmlformats.org/markup-compatibility/2006" xmlns:p14="http://schemas.microsoft.com/office/powerpoint/2010/main">
+    <mc:Choice Requires="p14">
       <p:transition p14:dur="0"/>
     </mc:Choice>
-    <mc:Fallback>
+    <mc:Fallback xmlns="">
       <p:transition/>
     </mc:Fallback>
   </mc:AlternateContent>
@@ -19034,7 +18423,7 @@
 </p:sld>
 </file>
 
-<file path=ppt/slides/slide31.xml><?xml version="1.0" encoding="utf-8"?>
+<file path=ppt/slides/slide29.xml><?xml version="1.0" encoding="utf-8"?>
 <p:sld xmlns:a="http://schemas.openxmlformats.org/drawingml/2006/main" xmlns:r="http://schemas.openxmlformats.org/officeDocument/2006/relationships" xmlns:p="http://schemas.openxmlformats.org/presentationml/2006/main">
   <p:cSld>
     <p:spTree>
@@ -19069,7 +18458,7 @@
             <a:fld id="{C014DD1E-5D91-48A3-AD6D-45FBA980D106}" type="slidenum">
               <a:rPr lang="en-US" smtClean="0"/>
               <a:pPr/>
-              <a:t>31</a:t>
+              <a:t>29</a:t>
             </a:fld>
             <a:endParaRPr lang="en-US" dirty="0"/>
           </a:p>
@@ -19894,7 +19283,364 @@
 </p:sld>
 </file>
 
-<file path=ppt/slides/slide32.xml><?xml version="1.0" encoding="utf-8"?>
+<file path=ppt/slides/slide3.xml><?xml version="1.0" encoding="utf-8"?>
+<p:sld xmlns:a="http://schemas.openxmlformats.org/drawingml/2006/main" xmlns:r="http://schemas.openxmlformats.org/officeDocument/2006/relationships" xmlns:p="http://schemas.openxmlformats.org/presentationml/2006/main">
+  <p:cSld>
+    <p:spTree>
+      <p:nvGrpSpPr>
+        <p:cNvPr id="1" name=""/>
+        <p:cNvGrpSpPr/>
+        <p:nvPr/>
+      </p:nvGrpSpPr>
+      <p:grpSpPr>
+        <a:xfrm>
+          <a:off x="0" y="0"/>
+          <a:ext cx="0" cy="0"/>
+          <a:chOff x="0" y="0"/>
+          <a:chExt cx="0" cy="0"/>
+        </a:xfrm>
+      </p:grpSpPr>
+      <p:sp>
+        <p:nvSpPr>
+          <p:cNvPr id="5" name="Title 4"/>
+          <p:cNvSpPr>
+            <a:spLocks noGrp="1"/>
+          </p:cNvSpPr>
+          <p:nvPr>
+            <p:ph type="title"/>
+          </p:nvPr>
+        </p:nvSpPr>
+        <p:spPr>
+          <a:xfrm>
+            <a:off x="1446212" y="5220629"/>
+            <a:ext cx="8938472" cy="820600"/>
+          </a:xfrm>
+        </p:spPr>
+        <p:txBody>
+          <a:bodyPr/>
+          <a:lstStyle/>
+          <a:p>
+            <a:r>
+              <a:rPr lang="en-GB" dirty="0" smtClean="0"/>
+              <a:t>Controllers &amp; Scope</a:t>
+            </a:r>
+            <a:endParaRPr lang="en-GB" dirty="0"/>
+          </a:p>
+        </p:txBody>
+      </p:sp>
+      <p:sp>
+        <p:nvSpPr>
+          <p:cNvPr id="7" name="Flowchart: Alternate Process 6"/>
+          <p:cNvSpPr/>
+          <p:nvPr/>
+        </p:nvSpPr>
+        <p:spPr>
+          <a:xfrm>
+            <a:off x="1299174" y="2971800"/>
+            <a:ext cx="1905000" cy="1107688"/>
+          </a:xfrm>
+          <a:prstGeom prst="flowChartAlternateProcess">
+            <a:avLst/>
+          </a:prstGeom>
+        </p:spPr>
+        <p:style>
+          <a:lnRef idx="2">
+            <a:schemeClr val="accent1">
+              <a:shade val="50000"/>
+            </a:schemeClr>
+          </a:lnRef>
+          <a:fillRef idx="1">
+            <a:schemeClr val="accent1"/>
+          </a:fillRef>
+          <a:effectRef idx="0">
+            <a:schemeClr val="accent1"/>
+          </a:effectRef>
+          <a:fontRef idx="minor">
+            <a:schemeClr val="lt1"/>
+          </a:fontRef>
+        </p:style>
+        <p:txBody>
+          <a:bodyPr rtlCol="0" anchor="ctr"/>
+          <a:lstStyle/>
+          <a:p>
+            <a:pPr algn="ctr"/>
+            <a:r>
+              <a:rPr lang="en-GB" sz="2800" b="1" dirty="0" smtClean="0">
+                <a:effectLst>
+                  <a:outerShdw blurRad="38100" dist="38100" dir="2700000" algn="tl">
+                    <a:srgbClr val="000000">
+                      <a:alpha val="43137"/>
+                    </a:srgbClr>
+                  </a:outerShdw>
+                </a:effectLst>
+              </a:rPr>
+              <a:t>Controller</a:t>
+            </a:r>
+            <a:endParaRPr lang="en-GB" sz="2800" b="1" dirty="0">
+              <a:effectLst>
+                <a:outerShdw blurRad="38100" dist="38100" dir="2700000" algn="tl">
+                  <a:srgbClr val="000000">
+                    <a:alpha val="43137"/>
+                  </a:srgbClr>
+                </a:outerShdw>
+              </a:effectLst>
+            </a:endParaRPr>
+          </a:p>
+        </p:txBody>
+      </p:sp>
+      <p:sp>
+        <p:nvSpPr>
+          <p:cNvPr id="8" name="Flowchart: Alternate Process 7"/>
+          <p:cNvSpPr/>
+          <p:nvPr/>
+        </p:nvSpPr>
+        <p:spPr>
+          <a:xfrm>
+            <a:off x="5027612" y="3010829"/>
+            <a:ext cx="1905000" cy="1107688"/>
+          </a:xfrm>
+          <a:prstGeom prst="flowChartAlternateProcess">
+            <a:avLst/>
+          </a:prstGeom>
+        </p:spPr>
+        <p:style>
+          <a:lnRef idx="2">
+            <a:schemeClr val="accent2">
+              <a:shade val="50000"/>
+            </a:schemeClr>
+          </a:lnRef>
+          <a:fillRef idx="1">
+            <a:schemeClr val="accent2"/>
+          </a:fillRef>
+          <a:effectRef idx="0">
+            <a:schemeClr val="accent2"/>
+          </a:effectRef>
+          <a:fontRef idx="minor">
+            <a:schemeClr val="lt1"/>
+          </a:fontRef>
+        </p:style>
+        <p:txBody>
+          <a:bodyPr rtlCol="0" anchor="ctr"/>
+          <a:lstStyle/>
+          <a:p>
+            <a:pPr algn="ctr"/>
+            <a:r>
+              <a:rPr lang="en-GB" sz="2800" b="1" dirty="0" smtClean="0">
+                <a:effectLst>
+                  <a:outerShdw blurRad="38100" dist="38100" dir="2700000" algn="tl">
+                    <a:srgbClr val="000000">
+                      <a:alpha val="43137"/>
+                    </a:srgbClr>
+                  </a:outerShdw>
+                </a:effectLst>
+              </a:rPr>
+              <a:t>Scope</a:t>
+            </a:r>
+            <a:endParaRPr lang="en-GB" sz="2800" b="1" dirty="0">
+              <a:effectLst>
+                <a:outerShdw blurRad="38100" dist="38100" dir="2700000" algn="tl">
+                  <a:srgbClr val="000000">
+                    <a:alpha val="43137"/>
+                  </a:srgbClr>
+                </a:outerShdw>
+              </a:effectLst>
+            </a:endParaRPr>
+          </a:p>
+        </p:txBody>
+      </p:sp>
+      <p:sp>
+        <p:nvSpPr>
+          <p:cNvPr id="9" name="Flowchart: Alternate Process 8"/>
+          <p:cNvSpPr/>
+          <p:nvPr/>
+        </p:nvSpPr>
+        <p:spPr>
+          <a:xfrm>
+            <a:off x="8572810" y="3027556"/>
+            <a:ext cx="1905000" cy="1107688"/>
+          </a:xfrm>
+          <a:prstGeom prst="flowChartAlternateProcess">
+            <a:avLst/>
+          </a:prstGeom>
+        </p:spPr>
+        <p:style>
+          <a:lnRef idx="1">
+            <a:schemeClr val="accent5"/>
+          </a:lnRef>
+          <a:fillRef idx="3">
+            <a:schemeClr val="accent5"/>
+          </a:fillRef>
+          <a:effectRef idx="2">
+            <a:schemeClr val="accent5"/>
+          </a:effectRef>
+          <a:fontRef idx="minor">
+            <a:schemeClr val="lt1"/>
+          </a:fontRef>
+        </p:style>
+        <p:txBody>
+          <a:bodyPr rtlCol="0" anchor="ctr"/>
+          <a:lstStyle/>
+          <a:p>
+            <a:pPr algn="ctr"/>
+            <a:r>
+              <a:rPr lang="en-GB" sz="2800" b="1" dirty="0" smtClean="0">
+                <a:effectLst>
+                  <a:outerShdw blurRad="38100" dist="38100" dir="2700000" algn="tl">
+                    <a:srgbClr val="000000">
+                      <a:alpha val="43137"/>
+                    </a:srgbClr>
+                  </a:outerShdw>
+                </a:effectLst>
+              </a:rPr>
+              <a:t>View</a:t>
+            </a:r>
+            <a:endParaRPr lang="en-GB" sz="2800" b="1" dirty="0">
+              <a:effectLst>
+                <a:outerShdw blurRad="38100" dist="38100" dir="2700000" algn="tl">
+                  <a:srgbClr val="000000">
+                    <a:alpha val="43137"/>
+                  </a:srgbClr>
+                </a:outerShdw>
+              </a:effectLst>
+            </a:endParaRPr>
+          </a:p>
+        </p:txBody>
+      </p:sp>
+      <p:sp>
+        <p:nvSpPr>
+          <p:cNvPr id="12" name="Left-Right Arrow 11"/>
+          <p:cNvSpPr/>
+          <p:nvPr/>
+        </p:nvSpPr>
+        <p:spPr>
+          <a:xfrm>
+            <a:off x="3422000" y="3387926"/>
+            <a:ext cx="1387786" cy="353494"/>
+          </a:xfrm>
+          <a:prstGeom prst="leftRightArrow">
+            <a:avLst/>
+          </a:prstGeom>
+        </p:spPr>
+        <p:style>
+          <a:lnRef idx="2">
+            <a:schemeClr val="accent1">
+              <a:shade val="50000"/>
+            </a:schemeClr>
+          </a:lnRef>
+          <a:fillRef idx="1">
+            <a:schemeClr val="accent1"/>
+          </a:fillRef>
+          <a:effectRef idx="0">
+            <a:schemeClr val="accent1"/>
+          </a:effectRef>
+          <a:fontRef idx="minor">
+            <a:schemeClr val="lt1"/>
+          </a:fontRef>
+        </p:style>
+        <p:txBody>
+          <a:bodyPr rtlCol="0" anchor="ctr"/>
+          <a:lstStyle/>
+          <a:p>
+            <a:pPr algn="ctr"/>
+            <a:endParaRPr lang="en-GB" sz="2800"/>
+          </a:p>
+        </p:txBody>
+      </p:sp>
+      <p:sp>
+        <p:nvSpPr>
+          <p:cNvPr id="13" name="Left-Right Arrow 12"/>
+          <p:cNvSpPr/>
+          <p:nvPr/>
+        </p:nvSpPr>
+        <p:spPr>
+          <a:xfrm>
+            <a:off x="7058818" y="3409299"/>
+            <a:ext cx="1387786" cy="344201"/>
+          </a:xfrm>
+          <a:prstGeom prst="leftRightArrow">
+            <a:avLst/>
+          </a:prstGeom>
+        </p:spPr>
+        <p:style>
+          <a:lnRef idx="2">
+            <a:schemeClr val="accent1">
+              <a:shade val="50000"/>
+            </a:schemeClr>
+          </a:lnRef>
+          <a:fillRef idx="1">
+            <a:schemeClr val="accent1"/>
+          </a:fillRef>
+          <a:effectRef idx="0">
+            <a:schemeClr val="accent1"/>
+          </a:effectRef>
+          <a:fontRef idx="minor">
+            <a:schemeClr val="lt1"/>
+          </a:fontRef>
+        </p:style>
+        <p:txBody>
+          <a:bodyPr rtlCol="0" anchor="ctr"/>
+          <a:lstStyle/>
+          <a:p>
+            <a:pPr algn="ctr"/>
+            <a:endParaRPr lang="en-GB" sz="2800"/>
+          </a:p>
+        </p:txBody>
+      </p:sp>
+      <p:pic>
+        <p:nvPicPr>
+          <p:cNvPr id="10" name="Picture 9"/>
+          <p:cNvPicPr>
+            <a:picLocks noChangeAspect="1"/>
+          </p:cNvPicPr>
+          <p:nvPr/>
+        </p:nvPicPr>
+        <p:blipFill>
+          <a:blip r:embed="rId2"/>
+          <a:stretch>
+            <a:fillRect/>
+          </a:stretch>
+        </p:blipFill>
+        <p:spPr>
+          <a:xfrm>
+            <a:off x="608012" y="533400"/>
+            <a:ext cx="2672362" cy="923628"/>
+          </a:xfrm>
+          <a:prstGeom prst="roundRect">
+            <a:avLst>
+              <a:gd name="adj" fmla="val 6668"/>
+            </a:avLst>
+          </a:prstGeom>
+        </p:spPr>
+      </p:pic>
+    </p:spTree>
+    <p:extLst>
+      <p:ext uri="{BB962C8B-B14F-4D97-AF65-F5344CB8AC3E}">
+        <p14:creationId xmlns:p14="http://schemas.microsoft.com/office/powerpoint/2010/main" val="703844237"/>
+      </p:ext>
+    </p:extLst>
+  </p:cSld>
+  <p:clrMapOvr>
+    <a:masterClrMapping/>
+  </p:clrMapOvr>
+  <mc:AlternateContent xmlns:mc="http://schemas.openxmlformats.org/markup-compatibility/2006" xmlns:p14="http://schemas.microsoft.com/office/powerpoint/2010/main">
+    <mc:Choice Requires="p14">
+      <p:transition p14:dur="0"/>
+    </mc:Choice>
+    <mc:Fallback xmlns="">
+      <p:transition/>
+    </mc:Fallback>
+  </mc:AlternateContent>
+  <p:timing>
+    <p:tnLst>
+      <p:par>
+        <p:cTn id="1" dur="indefinite" restart="never" nodeType="tmRoot"/>
+      </p:par>
+    </p:tnLst>
+  </p:timing>
+</p:sld>
+</file>
+
+<file path=ppt/slides/slide30.xml><?xml version="1.0" encoding="utf-8"?>
 <p:sld xmlns:a="http://schemas.openxmlformats.org/drawingml/2006/main" xmlns:r="http://schemas.openxmlformats.org/officeDocument/2006/relationships" xmlns:p="http://schemas.openxmlformats.org/presentationml/2006/main">
   <p:cSld>
     <p:spTree>
@@ -20314,7 +20060,7 @@
 </p:sld>
 </file>
 
-<file path=ppt/slides/slide33.xml><?xml version="1.0" encoding="utf-8"?>
+<file path=ppt/slides/slide31.xml><?xml version="1.0" encoding="utf-8"?>
 <p:sld xmlns:a="http://schemas.openxmlformats.org/drawingml/2006/main" xmlns:r="http://schemas.openxmlformats.org/officeDocument/2006/relationships" xmlns:p="http://schemas.openxmlformats.org/presentationml/2006/main">
   <p:cSld>
     <p:spTree>
@@ -20464,7 +20210,7 @@
             <a:fld id="{C014DD1E-5D91-48A3-AD6D-45FBA980D106}" type="slidenum">
               <a:rPr lang="en-US" smtClean="0"/>
               <a:pPr/>
-              <a:t>33</a:t>
+              <a:t>31</a:t>
             </a:fld>
             <a:endParaRPr lang="en-US" dirty="0"/>
           </a:p>
@@ -20623,7 +20369,7 @@
 </p:sld>
 </file>
 
-<file path=ppt/slides/slide34.xml><?xml version="1.0" encoding="utf-8"?>
+<file path=ppt/slides/slide32.xml><?xml version="1.0" encoding="utf-8"?>
 <p:sld xmlns:a="http://schemas.openxmlformats.org/drawingml/2006/main" xmlns:r="http://schemas.openxmlformats.org/officeDocument/2006/relationships" xmlns:p="http://schemas.openxmlformats.org/presentationml/2006/main">
   <p:cSld>
     <p:spTree>
@@ -21815,7 +21561,41 @@
                 <a:latin typeface="Consolas" pitchFamily="49" charset="0"/>
                 <a:cs typeface="Consolas" pitchFamily="49" charset="0"/>
               </a:rPr>
-              <a:t>, /* services */) </a:t>
+              <a:t>, </a:t>
+            </a:r>
+            <a:r>
+              <a:rPr lang="en-US" sz="2000" b="1" i="1" noProof="1" smtClean="0">
+                <a:solidFill>
+                  <a:srgbClr val="FBEEDC"/>
+                </a:solidFill>
+                <a:effectLst>
+                  <a:outerShdw blurRad="38100" dist="38100" dir="2700000" algn="tl">
+                    <a:srgbClr val="000000">
+                      <a:alpha val="43137"/>
+                    </a:srgbClr>
+                  </a:outerShdw>
+                </a:effectLst>
+                <a:latin typeface="Consolas" pitchFamily="49" charset="0"/>
+                <a:cs typeface="Consolas" pitchFamily="49" charset="0"/>
+              </a:rPr>
+              <a:t>/* services */</a:t>
+            </a:r>
+            <a:r>
+              <a:rPr lang="en-US" sz="2000" b="1" noProof="1" smtClean="0">
+                <a:solidFill>
+                  <a:srgbClr val="FBEEDC"/>
+                </a:solidFill>
+                <a:effectLst>
+                  <a:outerShdw blurRad="38100" dist="38100" dir="2700000" algn="tl">
+                    <a:srgbClr val="000000">
+                      <a:alpha val="43137"/>
+                    </a:srgbClr>
+                  </a:outerShdw>
+                </a:effectLst>
+                <a:latin typeface="Consolas" pitchFamily="49" charset="0"/>
+                <a:cs typeface="Consolas" pitchFamily="49" charset="0"/>
+              </a:rPr>
+              <a:t>) </a:t>
             </a:r>
             <a:r>
               <a:rPr lang="en-US" sz="2000" b="1" noProof="1">
@@ -21903,7 +21683,24 @@
                 <a:latin typeface="Consolas" pitchFamily="49" charset="0"/>
                 <a:cs typeface="Consolas" pitchFamily="49" charset="0"/>
               </a:rPr>
-              <a:t> = “Angel";</a:t>
+              <a:t> = </a:t>
+            </a:r>
+            <a:r>
+              <a:rPr lang="en-US" sz="2000" b="1" noProof="1">
+                <a:solidFill>
+                  <a:srgbClr val="FBEEDC"/>
+                </a:solidFill>
+                <a:effectLst>
+                  <a:outerShdw blurRad="38100" dist="38100" dir="2700000" algn="tl">
+                    <a:srgbClr val="000000">
+                      <a:alpha val="43137"/>
+                    </a:srgbClr>
+                  </a:outerShdw>
+                </a:effectLst>
+                <a:latin typeface="Consolas" pitchFamily="49" charset="0"/>
+                <a:cs typeface="Consolas" pitchFamily="49" charset="0"/>
+              </a:rPr>
+              <a:t>"Vlado";</a:t>
             </a:r>
             <a:endParaRPr lang="en-US" sz="2000" b="1" noProof="1">
               <a:solidFill>
@@ -23255,7 +23052,24 @@
                 <a:latin typeface="Consolas" pitchFamily="49" charset="0"/>
                 <a:cs typeface="Consolas" pitchFamily="49" charset="0"/>
               </a:rPr>
-              <a:t>Hello, Angel!</a:t>
+              <a:t>Hello, </a:t>
+            </a:r>
+            <a:r>
+              <a:rPr lang="en-US" sz="2800" b="1" noProof="1" smtClean="0">
+                <a:solidFill>
+                  <a:srgbClr val="FBEEDC"/>
+                </a:solidFill>
+                <a:effectLst>
+                  <a:outerShdw blurRad="38100" dist="38100" dir="2700000" algn="tl">
+                    <a:srgbClr val="000000">
+                      <a:alpha val="43137"/>
+                    </a:srgbClr>
+                  </a:outerShdw>
+                </a:effectLst>
+                <a:latin typeface="Consolas" pitchFamily="49" charset="0"/>
+                <a:cs typeface="Consolas" pitchFamily="49" charset="0"/>
+              </a:rPr>
+              <a:t>Vlado!</a:t>
             </a:r>
             <a:endParaRPr lang="en-US" sz="2800" b="1" noProof="1">
               <a:solidFill>
@@ -23957,8 +23771,39 @@
                 <a:latin typeface="Consolas" pitchFamily="49" charset="0"/>
                 <a:cs typeface="Consolas" pitchFamily="49" charset="0"/>
               </a:rPr>
-              <a:t>  'url': 'http://softuni.bg',</a:t>
-            </a:r>
+              <a:t>  'url': </a:t>
+            </a:r>
+            <a:r>
+              <a:rPr lang="en-US" sz="2400" b="1" noProof="1" smtClean="0">
+                <a:solidFill>
+                  <a:srgbClr val="FBEEDC"/>
+                </a:solidFill>
+                <a:effectLst>
+                  <a:outerShdw blurRad="38100" dist="38100" dir="2700000" algn="tl">
+                    <a:srgbClr val="000000">
+                      <a:alpha val="43137"/>
+                    </a:srgbClr>
+                  </a:outerShdw>
+                </a:effectLst>
+                <a:latin typeface="Consolas" pitchFamily="49" charset="0"/>
+                <a:cs typeface="Consolas" pitchFamily="49" charset="0"/>
+              </a:rPr>
+              <a:t>http://VGeorgiev.org',</a:t>
+            </a:r>
+            <a:endParaRPr lang="en-US" sz="2400" b="1" noProof="1" smtClean="0">
+              <a:solidFill>
+                <a:srgbClr val="FBEEDC"/>
+              </a:solidFill>
+              <a:effectLst>
+                <a:outerShdw blurRad="38100" dist="38100" dir="2700000" algn="tl">
+                  <a:srgbClr val="000000">
+                    <a:alpha val="43137"/>
+                  </a:srgbClr>
+                </a:outerShdw>
+              </a:effectLst>
+              <a:latin typeface="Consolas" pitchFamily="49" charset="0"/>
+              <a:cs typeface="Consolas" pitchFamily="49" charset="0"/>
+            </a:endParaRPr>
           </a:p>
           <a:p>
             <a:pPr eaLnBrk="0" hangingPunct="0">
@@ -23992,7 +23837,24 @@
                 <a:latin typeface="Consolas" pitchFamily="49" charset="0"/>
                 <a:cs typeface="Consolas" pitchFamily="49" charset="0"/>
               </a:rPr>
-              <a:t>  'port': 8888</a:t>
+              <a:t>  'port': </a:t>
+            </a:r>
+            <a:r>
+              <a:rPr lang="en-US" sz="2400" b="1" noProof="1" smtClean="0">
+                <a:solidFill>
+                  <a:srgbClr val="FBEEDC"/>
+                </a:solidFill>
+                <a:effectLst>
+                  <a:outerShdw blurRad="38100" dist="38100" dir="2700000" algn="tl">
+                    <a:srgbClr val="000000">
+                      <a:alpha val="43137"/>
+                    </a:srgbClr>
+                  </a:outerShdw>
+                </a:effectLst>
+                <a:latin typeface="Consolas" pitchFamily="49" charset="0"/>
+                <a:cs typeface="Consolas" pitchFamily="49" charset="0"/>
+              </a:rPr>
+              <a:t>80</a:t>
             </a:r>
             <a:endParaRPr lang="en-US" sz="2400" b="1" noProof="1">
               <a:solidFill>
@@ -24653,57 +24515,6 @@
               <a:t>7</a:t>
             </a:fld>
             <a:endParaRPr lang="en-US" dirty="0"/>
-          </a:p>
-        </p:txBody>
-      </p:sp>
-      <p:sp>
-        <p:nvSpPr>
-          <p:cNvPr id="7" name="TextBox 6"/>
-          <p:cNvSpPr txBox="1"/>
-          <p:nvPr/>
-        </p:nvSpPr>
-        <p:spPr>
-          <a:xfrm>
-            <a:off x="3553248" y="2441070"/>
-            <a:ext cx="4724400" cy="1384995"/>
-          </a:xfrm>
-          <a:prstGeom prst="rect">
-            <a:avLst/>
-          </a:prstGeom>
-          <a:noFill/>
-        </p:spPr>
-        <p:txBody>
-          <a:bodyPr wrap="square" rtlCol="0">
-            <a:spAutoFit/>
-          </a:bodyPr>
-          <a:lstStyle/>
-          <a:p>
-            <a:pPr marL="514350" indent="-514350">
-              <a:buAutoNum type="arabicPeriod"/>
-            </a:pPr>
-            <a:r>
-              <a:rPr lang="en-GB" sz="2800" dirty="0" smtClean="0"/>
-              <a:t>Display basic user info</a:t>
-            </a:r>
-          </a:p>
-          <a:p>
-            <a:pPr marL="514350" indent="-514350">
-              <a:buAutoNum type="arabicPeriod"/>
-            </a:pPr>
-            <a:r>
-              <a:rPr lang="en-GB" sz="2800" dirty="0" smtClean="0"/>
-              <a:t>Display collections</a:t>
-            </a:r>
-          </a:p>
-          <a:p>
-            <a:pPr marL="514350" indent="-514350">
-              <a:buAutoNum type="arabicPeriod"/>
-            </a:pPr>
-            <a:r>
-              <a:rPr lang="en-GB" sz="2800" dirty="0" smtClean="0"/>
-              <a:t>Handling events</a:t>
-            </a:r>
-            <a:endParaRPr lang="en-GB" sz="2800" dirty="0"/>
           </a:p>
         </p:txBody>
       </p:sp>
